--- a/Harmony.pptx
+++ b/Harmony.pptx
@@ -3877,15 +3877,7 @@
           <a:p>
             <a:r>
               <a:rPr lang="en-US" dirty="0"/>
-              <a:t>Free Text Book </a:t>
-            </a:r>
-            <a:r>
-              <a:rPr lang="en-US"/>
-              <a:t>(131 </a:t>
-            </a:r>
-            <a:r>
-              <a:rPr lang="en-US" dirty="0"/>
-              <a:t>pages)</a:t>
+              <a:t>Free Text Book (134 pages)</a:t>
             </a:r>
           </a:p>
         </p:txBody>
@@ -4933,14 +4925,14 @@
           <p:nvPr>
             <p:extLst>
               <p:ext uri="{D42A27DB-BD31-4B8C-83A1-F6EECF244321}">
-                <p14:modId xmlns:p14="http://schemas.microsoft.com/office/powerpoint/2010/main" val="3298847712"/>
+                <p14:modId xmlns:p14="http://schemas.microsoft.com/office/powerpoint/2010/main" val="780312816"/>
               </p:ext>
             </p:extLst>
           </p:nvPr>
         </p:nvGraphicFramePr>
         <p:xfrm>
           <a:off x="1024759" y="1554480"/>
-          <a:ext cx="7211916" cy="3635971"/>
+          <a:ext cx="7211916" cy="3749040"/>
         </p:xfrm>
         <a:graphic>
           <a:graphicData uri="http://schemas.openxmlformats.org/drawingml/2006/table">
@@ -5023,8 +5015,26 @@
                         <a:t>    </a:t>
                       </a:r>
                       <a:r>
+                        <a:rPr lang="en-US" b="1" dirty="0"/>
+                        <a:t>while</a:t>
+                      </a:r>
+                      <a:r>
+                        <a:rPr lang="en-US" dirty="0"/>
+                        <a:t> </a:t>
+                      </a:r>
+                      <a:r>
+                        <a:rPr lang="en-US" b="1" dirty="0"/>
+                        <a:t>True</a:t>
+                      </a:r>
+                      <a:r>
+                        <a:rPr lang="en-US" dirty="0"/>
+                        <a:t>:</a:t>
+                      </a:r>
+                    </a:p>
+                    <a:p>
+                      <a:r>
                         <a:rPr lang="en-US" i="1" dirty="0"/>
-                        <a:t>flags</a:t>
+                        <a:t>        flags</a:t>
                       </a:r>
                       <a:r>
                         <a:rPr lang="en-US" dirty="0"/>
@@ -5047,7 +5057,7 @@
                     <a:p>
                       <a:r>
                         <a:rPr lang="en-US" dirty="0"/>
-                        <a:t>    </a:t>
+                        <a:t>        </a:t>
                       </a:r>
                       <a:r>
                         <a:rPr lang="en-US" i="1" dirty="0"/>
@@ -5066,7 +5076,7 @@
                     <a:p>
                       <a:r>
                         <a:rPr lang="en-US" dirty="0"/>
-                        <a:t>    </a:t>
+                        <a:t>        </a:t>
                       </a:r>
                       <a:r>
                         <a:rPr lang="en-US" b="1" dirty="0"/>
@@ -5129,7 +5139,7 @@
                             <a:srgbClr val="00B050"/>
                           </a:solidFill>
                         </a:rPr>
-                        <a:t>    @cs: </a:t>
+                        <a:t>        @cs: </a:t>
                       </a:r>
                       <a:r>
                         <a:rPr lang="en-US" b="1" dirty="0">
@@ -5137,31 +5147,7 @@
                             <a:schemeClr val="tx1"/>
                           </a:solidFill>
                         </a:rPr>
-                        <a:t>assert</a:t>
-                      </a:r>
-                      <a:r>
-                        <a:rPr lang="en-US" b="1" dirty="0">
-                          <a:solidFill>
-                            <a:srgbClr val="00B050"/>
-                          </a:solidFill>
-                        </a:rPr>
-                        <a:t> </a:t>
-                      </a:r>
-                      <a:r>
-                        <a:rPr lang="en-US" b="1" dirty="0" err="1">
-                          <a:solidFill>
-                            <a:srgbClr val="00B050"/>
-                          </a:solidFill>
-                        </a:rPr>
-                        <a:t>atLabel</a:t>
-                      </a:r>
-                      <a:r>
-                        <a:rPr lang="en-US" b="1" dirty="0">
-                          <a:solidFill>
-                            <a:schemeClr val="tx1"/>
-                          </a:solidFill>
-                        </a:rPr>
-                        <a:t>(cs) == { (process, self) : 1 }</a:t>
+                        <a:t>pass</a:t>
                       </a:r>
                       <a:endParaRPr lang="en-US" dirty="0">
                         <a:solidFill>
@@ -5172,7 +5158,7 @@
                     <a:p>
                       <a:r>
                         <a:rPr lang="en-US" i="1" dirty="0"/>
-                        <a:t>    flags</a:t>
+                        <a:t>        flags</a:t>
                       </a:r>
                       <a:r>
                         <a:rPr lang="en-US" dirty="0"/>

--- a/Harmony.pptx
+++ b/Harmony.pptx
@@ -3877,7 +3877,7 @@
           <a:p>
             <a:r>
               <a:rPr lang="en-US" dirty="0"/>
-              <a:t>Free Text Book (134 pages)</a:t>
+              <a:t>Free Text Book (135 pages)</a:t>
             </a:r>
           </a:p>
         </p:txBody>

--- a/Harmony.pptx
+++ b/Harmony.pptx
@@ -5,7 +5,7 @@
     <p:sldMasterId id="2147483660" r:id="rId1"/>
   </p:sldMasterIdLst>
   <p:notesMasterIdLst>
-    <p:notesMasterId r:id="rId14"/>
+    <p:notesMasterId r:id="rId15"/>
   </p:notesMasterIdLst>
   <p:sldIdLst>
     <p:sldId id="256" r:id="rId2"/>
@@ -16,10 +16,11 @@
     <p:sldId id="259" r:id="rId7"/>
     <p:sldId id="260" r:id="rId8"/>
     <p:sldId id="268" r:id="rId9"/>
-    <p:sldId id="261" r:id="rId10"/>
-    <p:sldId id="262" r:id="rId11"/>
-    <p:sldId id="264" r:id="rId12"/>
-    <p:sldId id="263" r:id="rId13"/>
+    <p:sldId id="269" r:id="rId10"/>
+    <p:sldId id="261" r:id="rId11"/>
+    <p:sldId id="262" r:id="rId12"/>
+    <p:sldId id="264" r:id="rId13"/>
+    <p:sldId id="263" r:id="rId14"/>
   </p:sldIdLst>
   <p:sldSz cx="9144000" cy="6858000" type="screen4x3"/>
   <p:notesSz cx="6858000" cy="9144000"/>
@@ -208,7 +209,7 @@
           <a:p>
             <a:fld id="{DB050A5F-06C5-574D-A3AD-9B8109EC25B6}" type="datetimeFigureOut">
               <a:rPr lang="en-US" smtClean="0"/>
-              <a:t>2/23/21</a:t>
+              <a:t>3/1/21</a:t>
             </a:fld>
             <a:endParaRPr lang="en-US"/>
           </a:p>
@@ -708,7 +709,7 @@
           <a:p>
             <a:fld id="{14864CE3-CF56-2D46-B05A-29D19B878475}" type="slidenum">
               <a:rPr lang="en-US" smtClean="0"/>
-              <a:t>9</a:t>
+              <a:t>10</a:t>
             </a:fld>
             <a:endParaRPr lang="en-US"/>
           </a:p>
@@ -858,7 +859,7 @@
           <a:p>
             <a:fld id="{E2688AD6-A3BD-2D4B-9B4D-77B376F56745}" type="datetimeFigureOut">
               <a:rPr lang="en-US" smtClean="0"/>
-              <a:t>2/23/21</a:t>
+              <a:t>3/1/21</a:t>
             </a:fld>
             <a:endParaRPr lang="en-US"/>
           </a:p>
@@ -1028,7 +1029,7 @@
           <a:p>
             <a:fld id="{E2688AD6-A3BD-2D4B-9B4D-77B376F56745}" type="datetimeFigureOut">
               <a:rPr lang="en-US" smtClean="0"/>
-              <a:t>2/23/21</a:t>
+              <a:t>3/1/21</a:t>
             </a:fld>
             <a:endParaRPr lang="en-US"/>
           </a:p>
@@ -1208,7 +1209,7 @@
           <a:p>
             <a:fld id="{E2688AD6-A3BD-2D4B-9B4D-77B376F56745}" type="datetimeFigureOut">
               <a:rPr lang="en-US" smtClean="0"/>
-              <a:t>2/23/21</a:t>
+              <a:t>3/1/21</a:t>
             </a:fld>
             <a:endParaRPr lang="en-US"/>
           </a:p>
@@ -1384,7 +1385,7 @@
           <a:p>
             <a:fld id="{E2688AD6-A3BD-2D4B-9B4D-77B376F56745}" type="datetimeFigureOut">
               <a:rPr lang="en-US" smtClean="0"/>
-              <a:t>2/23/21</a:t>
+              <a:t>3/1/21</a:t>
             </a:fld>
             <a:endParaRPr lang="en-US"/>
           </a:p>
@@ -1628,7 +1629,7 @@
           <a:p>
             <a:fld id="{E2688AD6-A3BD-2D4B-9B4D-77B376F56745}" type="datetimeFigureOut">
               <a:rPr lang="en-US" smtClean="0"/>
-              <a:t>2/23/21</a:t>
+              <a:t>3/1/21</a:t>
             </a:fld>
             <a:endParaRPr lang="en-US"/>
           </a:p>
@@ -1860,7 +1861,7 @@
           <a:p>
             <a:fld id="{E2688AD6-A3BD-2D4B-9B4D-77B376F56745}" type="datetimeFigureOut">
               <a:rPr lang="en-US" smtClean="0"/>
-              <a:t>2/23/21</a:t>
+              <a:t>3/1/21</a:t>
             </a:fld>
             <a:endParaRPr lang="en-US"/>
           </a:p>
@@ -2227,7 +2228,7 @@
           <a:p>
             <a:fld id="{E2688AD6-A3BD-2D4B-9B4D-77B376F56745}" type="datetimeFigureOut">
               <a:rPr lang="en-US" smtClean="0"/>
-              <a:t>2/23/21</a:t>
+              <a:t>3/1/21</a:t>
             </a:fld>
             <a:endParaRPr lang="en-US"/>
           </a:p>
@@ -2345,7 +2346,7 @@
           <a:p>
             <a:fld id="{E2688AD6-A3BD-2D4B-9B4D-77B376F56745}" type="datetimeFigureOut">
               <a:rPr lang="en-US" smtClean="0"/>
-              <a:t>2/23/21</a:t>
+              <a:t>3/1/21</a:t>
             </a:fld>
             <a:endParaRPr lang="en-US"/>
           </a:p>
@@ -2440,7 +2441,7 @@
           <a:p>
             <a:fld id="{E2688AD6-A3BD-2D4B-9B4D-77B376F56745}" type="datetimeFigureOut">
               <a:rPr lang="en-US" smtClean="0"/>
-              <a:t>2/23/21</a:t>
+              <a:t>3/1/21</a:t>
             </a:fld>
             <a:endParaRPr lang="en-US"/>
           </a:p>
@@ -2717,7 +2718,7 @@
           <a:p>
             <a:fld id="{E2688AD6-A3BD-2D4B-9B4D-77B376F56745}" type="datetimeFigureOut">
               <a:rPr lang="en-US" smtClean="0"/>
-              <a:t>2/23/21</a:t>
+              <a:t>3/1/21</a:t>
             </a:fld>
             <a:endParaRPr lang="en-US"/>
           </a:p>
@@ -2974,7 +2975,7 @@
           <a:p>
             <a:fld id="{E2688AD6-A3BD-2D4B-9B4D-77B376F56745}" type="datetimeFigureOut">
               <a:rPr lang="en-US" smtClean="0"/>
-              <a:t>2/23/21</a:t>
+              <a:t>3/1/21</a:t>
             </a:fld>
             <a:endParaRPr lang="en-US"/>
           </a:p>
@@ -3187,7 +3188,7 @@
           <a:p>
             <a:fld id="{E2688AD6-A3BD-2D4B-9B4D-77B376F56745}" type="datetimeFigureOut">
               <a:rPr lang="en-US" smtClean="0"/>
-              <a:t>2/23/21</a:t>
+              <a:t>3/1/21</a:t>
             </a:fld>
             <a:endParaRPr lang="en-US"/>
           </a:p>
@@ -3703,6 +3704,99 @@
           <p:cNvPr id="2" name="Title 1">
             <a:extLst>
               <a:ext uri="{FF2B5EF4-FFF2-40B4-BE49-F238E27FC236}">
+                <a16:creationId xmlns:a16="http://schemas.microsoft.com/office/drawing/2014/main" id="{1F6EB64F-F069-944B-B6A7-84F416477207}"/>
+              </a:ext>
+            </a:extLst>
+          </p:cNvPr>
+          <p:cNvSpPr>
+            <a:spLocks noGrp="1"/>
+          </p:cNvSpPr>
+          <p:nvPr>
+            <p:ph type="title"/>
+          </p:nvPr>
+        </p:nvSpPr>
+        <p:spPr>
+          <a:xfrm>
+            <a:off x="0" y="21172"/>
+            <a:ext cx="7886700" cy="748971"/>
+          </a:xfrm>
+        </p:spPr>
+        <p:txBody>
+          <a:bodyPr/>
+          <a:lstStyle/>
+          <a:p>
+            <a:r>
+              <a:rPr lang="en-US" dirty="0"/>
+              <a:t>Visualizer/Animator</a:t>
+            </a:r>
+          </a:p>
+        </p:txBody>
+      </p:sp>
+      <p:pic>
+        <p:nvPicPr>
+          <p:cNvPr id="6" name="Picture 5">
+            <a:extLst>
+              <a:ext uri="{FF2B5EF4-FFF2-40B4-BE49-F238E27FC236}">
+                <a16:creationId xmlns:a16="http://schemas.microsoft.com/office/drawing/2014/main" id="{2AF2EC5C-5000-F64E-8032-5A7D2E266F7A}"/>
+              </a:ext>
+            </a:extLst>
+          </p:cNvPr>
+          <p:cNvPicPr>
+            <a:picLocks noChangeAspect="1"/>
+          </p:cNvPicPr>
+          <p:nvPr/>
+        </p:nvPicPr>
+        <p:blipFill>
+          <a:blip r:embed="rId3"/>
+          <a:stretch>
+            <a:fillRect/>
+          </a:stretch>
+        </p:blipFill>
+        <p:spPr>
+          <a:xfrm>
+            <a:off x="0" y="770143"/>
+            <a:ext cx="9144000" cy="5317714"/>
+          </a:xfrm>
+          <a:prstGeom prst="rect">
+            <a:avLst/>
+          </a:prstGeom>
+        </p:spPr>
+      </p:pic>
+    </p:spTree>
+    <p:extLst>
+      <p:ext uri="{BB962C8B-B14F-4D97-AF65-F5344CB8AC3E}">
+        <p14:creationId xmlns:p14="http://schemas.microsoft.com/office/powerpoint/2010/main" val="2348322053"/>
+      </p:ext>
+    </p:extLst>
+  </p:cSld>
+  <p:clrMapOvr>
+    <a:masterClrMapping/>
+  </p:clrMapOvr>
+</p:sld>
+</file>
+
+<file path=ppt/slides/slide11.xml><?xml version="1.0" encoding="utf-8"?>
+<p:sld xmlns:a="http://schemas.openxmlformats.org/drawingml/2006/main" xmlns:r="http://schemas.openxmlformats.org/officeDocument/2006/relationships" xmlns:p="http://schemas.openxmlformats.org/presentationml/2006/main">
+  <p:cSld>
+    <p:spTree>
+      <p:nvGrpSpPr>
+        <p:cNvPr id="1" name=""/>
+        <p:cNvGrpSpPr/>
+        <p:nvPr/>
+      </p:nvGrpSpPr>
+      <p:grpSpPr>
+        <a:xfrm>
+          <a:off x="0" y="0"/>
+          <a:ext cx="0" cy="0"/>
+          <a:chOff x="0" y="0"/>
+          <a:chExt cx="0" cy="0"/>
+        </a:xfrm>
+      </p:grpSpPr>
+      <p:sp>
+        <p:nvSpPr>
+          <p:cNvPr id="2" name="Title 1">
+            <a:extLst>
+              <a:ext uri="{FF2B5EF4-FFF2-40B4-BE49-F238E27FC236}">
                 <a16:creationId xmlns:a16="http://schemas.microsoft.com/office/drawing/2014/main" id="{C86295DB-8F02-EE43-9439-912A891C49BB}"/>
               </a:ext>
             </a:extLst>
@@ -3837,7 +3931,7 @@
 </p:sld>
 </file>
 
-<file path=ppt/slides/slide11.xml><?xml version="1.0" encoding="utf-8"?>
+<file path=ppt/slides/slide12.xml><?xml version="1.0" encoding="utf-8"?>
 <p:sld xmlns:a="http://schemas.openxmlformats.org/drawingml/2006/main" xmlns:r="http://schemas.openxmlformats.org/officeDocument/2006/relationships" xmlns:p="http://schemas.openxmlformats.org/presentationml/2006/main">
   <p:cSld>
     <p:spTree>
@@ -3925,7 +4019,7 @@
 </p:sld>
 </file>
 
-<file path=ppt/slides/slide12.xml><?xml version="1.0" encoding="utf-8"?>
+<file path=ppt/slides/slide13.xml><?xml version="1.0" encoding="utf-8"?>
 <p:sld xmlns:a="http://schemas.openxmlformats.org/drawingml/2006/main" xmlns:r="http://schemas.openxmlformats.org/officeDocument/2006/relationships" xmlns:p="http://schemas.openxmlformats.org/presentationml/2006/main">
   <p:cSld>
     <p:spTree>
@@ -5424,7 +5518,7 @@
           <a:p>
             <a:r>
               <a:rPr lang="en-US" dirty="0"/>
-              <a:t>Nice features beyond Python</a:t>
+              <a:t>Features beyond Python</a:t>
             </a:r>
           </a:p>
         </p:txBody>
@@ -5903,7 +5997,7 @@
           <p:cNvPr id="2" name="Title 1">
             <a:extLst>
               <a:ext uri="{FF2B5EF4-FFF2-40B4-BE49-F238E27FC236}">
-                <a16:creationId xmlns:a16="http://schemas.microsoft.com/office/drawing/2014/main" id="{1F6EB64F-F069-944B-B6A7-84F416477207}"/>
+                <a16:creationId xmlns:a16="http://schemas.microsoft.com/office/drawing/2014/main" id="{F5BBB318-A29E-C64E-86EC-96742B74707A}"/>
               </a:ext>
             </a:extLst>
           </p:cNvPr>
@@ -5914,57 +6008,64 @@
             <p:ph type="title"/>
           </p:nvPr>
         </p:nvSpPr>
-        <p:spPr>
-          <a:xfrm>
-            <a:off x="0" y="21172"/>
-            <a:ext cx="7886700" cy="748971"/>
-          </a:xfrm>
-        </p:spPr>
+        <p:spPr/>
         <p:txBody>
           <a:bodyPr/>
           <a:lstStyle/>
           <a:p>
             <a:r>
               <a:rPr lang="en-US" dirty="0"/>
-              <a:t>Visualizer/Animator</a:t>
-            </a:r>
-          </a:p>
-        </p:txBody>
-      </p:sp>
-      <p:pic>
-        <p:nvPicPr>
-          <p:cNvPr id="6" name="Picture 5">
+              <a:t>Success story</a:t>
+            </a:r>
+          </a:p>
+        </p:txBody>
+      </p:sp>
+      <p:sp>
+        <p:nvSpPr>
+          <p:cNvPr id="3" name="Content Placeholder 2">
             <a:extLst>
               <a:ext uri="{FF2B5EF4-FFF2-40B4-BE49-F238E27FC236}">
-                <a16:creationId xmlns:a16="http://schemas.microsoft.com/office/drawing/2014/main" id="{2AF2EC5C-5000-F64E-8032-5A7D2E266F7A}"/>
+                <a16:creationId xmlns:a16="http://schemas.microsoft.com/office/drawing/2014/main" id="{30462162-CA8C-2E43-BF34-62407CF7A887}"/>
               </a:ext>
             </a:extLst>
           </p:cNvPr>
-          <p:cNvPicPr>
-            <a:picLocks noChangeAspect="1"/>
-          </p:cNvPicPr>
-          <p:nvPr/>
-        </p:nvPicPr>
-        <p:blipFill>
-          <a:blip r:embed="rId3"/>
-          <a:stretch>
-            <a:fillRect/>
-          </a:stretch>
-        </p:blipFill>
-        <p:spPr>
-          <a:xfrm>
-            <a:off x="0" y="770143"/>
-            <a:ext cx="9144000" cy="5317714"/>
-          </a:xfrm>
-          <a:prstGeom prst="rect">
-            <a:avLst/>
-          </a:prstGeom>
-        </p:spPr>
-      </p:pic>
+          <p:cNvSpPr>
+            <a:spLocks noGrp="1"/>
+          </p:cNvSpPr>
+          <p:nvPr>
+            <p:ph idx="1"/>
+          </p:nvPr>
+        </p:nvSpPr>
+        <p:spPr/>
+        <p:txBody>
+          <a:bodyPr/>
+          <a:lstStyle/>
+          <a:p>
+            <a:r>
+              <a:rPr lang="en-US" dirty="0"/>
+              <a:t>Harmony found data race in concurrent queue implementation in a 25-year-old PODC paper with over 1300 citations</a:t>
+            </a:r>
+          </a:p>
+          <a:p>
+            <a:pPr lvl="1"/>
+            <a:r>
+              <a:rPr lang="en-US" dirty="0"/>
+              <a:t>tacitly assumes sequentially consistent memory</a:t>
+            </a:r>
+          </a:p>
+          <a:p>
+            <a:pPr lvl="1"/>
+            <a:r>
+              <a:rPr lang="en-US" dirty="0"/>
+              <a:t>online C, Java, … implementations I found are incorrect because of this issue</a:t>
+            </a:r>
+          </a:p>
+        </p:txBody>
+      </p:sp>
     </p:spTree>
     <p:extLst>
       <p:ext uri="{BB962C8B-B14F-4D97-AF65-F5344CB8AC3E}">
-        <p14:creationId xmlns:p14="http://schemas.microsoft.com/office/powerpoint/2010/main" val="2348322053"/>
+        <p14:creationId xmlns:p14="http://schemas.microsoft.com/office/powerpoint/2010/main" val="2575149035"/>
       </p:ext>
     </p:extLst>
   </p:cSld>

--- a/Harmony.pptx
+++ b/Harmony.pptx
@@ -209,7 +209,7 @@
           <a:p>
             <a:fld id="{DB050A5F-06C5-574D-A3AD-9B8109EC25B6}" type="datetimeFigureOut">
               <a:rPr lang="en-US" smtClean="0"/>
-              <a:t>3/1/21</a:t>
+              <a:t>3/15/21</a:t>
             </a:fld>
             <a:endParaRPr lang="en-US"/>
           </a:p>
@@ -859,7 +859,7 @@
           <a:p>
             <a:fld id="{E2688AD6-A3BD-2D4B-9B4D-77B376F56745}" type="datetimeFigureOut">
               <a:rPr lang="en-US" smtClean="0"/>
-              <a:t>3/1/21</a:t>
+              <a:t>3/15/21</a:t>
             </a:fld>
             <a:endParaRPr lang="en-US"/>
           </a:p>
@@ -1029,7 +1029,7 @@
           <a:p>
             <a:fld id="{E2688AD6-A3BD-2D4B-9B4D-77B376F56745}" type="datetimeFigureOut">
               <a:rPr lang="en-US" smtClean="0"/>
-              <a:t>3/1/21</a:t>
+              <a:t>3/15/21</a:t>
             </a:fld>
             <a:endParaRPr lang="en-US"/>
           </a:p>
@@ -1209,7 +1209,7 @@
           <a:p>
             <a:fld id="{E2688AD6-A3BD-2D4B-9B4D-77B376F56745}" type="datetimeFigureOut">
               <a:rPr lang="en-US" smtClean="0"/>
-              <a:t>3/1/21</a:t>
+              <a:t>3/15/21</a:t>
             </a:fld>
             <a:endParaRPr lang="en-US"/>
           </a:p>
@@ -1385,7 +1385,7 @@
           <a:p>
             <a:fld id="{E2688AD6-A3BD-2D4B-9B4D-77B376F56745}" type="datetimeFigureOut">
               <a:rPr lang="en-US" smtClean="0"/>
-              <a:t>3/1/21</a:t>
+              <a:t>3/15/21</a:t>
             </a:fld>
             <a:endParaRPr lang="en-US"/>
           </a:p>
@@ -1629,7 +1629,7 @@
           <a:p>
             <a:fld id="{E2688AD6-A3BD-2D4B-9B4D-77B376F56745}" type="datetimeFigureOut">
               <a:rPr lang="en-US" smtClean="0"/>
-              <a:t>3/1/21</a:t>
+              <a:t>3/15/21</a:t>
             </a:fld>
             <a:endParaRPr lang="en-US"/>
           </a:p>
@@ -1861,7 +1861,7 @@
           <a:p>
             <a:fld id="{E2688AD6-A3BD-2D4B-9B4D-77B376F56745}" type="datetimeFigureOut">
               <a:rPr lang="en-US" smtClean="0"/>
-              <a:t>3/1/21</a:t>
+              <a:t>3/15/21</a:t>
             </a:fld>
             <a:endParaRPr lang="en-US"/>
           </a:p>
@@ -2228,7 +2228,7 @@
           <a:p>
             <a:fld id="{E2688AD6-A3BD-2D4B-9B4D-77B376F56745}" type="datetimeFigureOut">
               <a:rPr lang="en-US" smtClean="0"/>
-              <a:t>3/1/21</a:t>
+              <a:t>3/15/21</a:t>
             </a:fld>
             <a:endParaRPr lang="en-US"/>
           </a:p>
@@ -2346,7 +2346,7 @@
           <a:p>
             <a:fld id="{E2688AD6-A3BD-2D4B-9B4D-77B376F56745}" type="datetimeFigureOut">
               <a:rPr lang="en-US" smtClean="0"/>
-              <a:t>3/1/21</a:t>
+              <a:t>3/15/21</a:t>
             </a:fld>
             <a:endParaRPr lang="en-US"/>
           </a:p>
@@ -2441,7 +2441,7 @@
           <a:p>
             <a:fld id="{E2688AD6-A3BD-2D4B-9B4D-77B376F56745}" type="datetimeFigureOut">
               <a:rPr lang="en-US" smtClean="0"/>
-              <a:t>3/1/21</a:t>
+              <a:t>3/15/21</a:t>
             </a:fld>
             <a:endParaRPr lang="en-US"/>
           </a:p>
@@ -2718,7 +2718,7 @@
           <a:p>
             <a:fld id="{E2688AD6-A3BD-2D4B-9B4D-77B376F56745}" type="datetimeFigureOut">
               <a:rPr lang="en-US" smtClean="0"/>
-              <a:t>3/1/21</a:t>
+              <a:t>3/15/21</a:t>
             </a:fld>
             <a:endParaRPr lang="en-US"/>
           </a:p>
@@ -2975,7 +2975,7 @@
           <a:p>
             <a:fld id="{E2688AD6-A3BD-2D4B-9B4D-77B376F56745}" type="datetimeFigureOut">
               <a:rPr lang="en-US" smtClean="0"/>
-              <a:t>3/1/21</a:t>
+              <a:t>3/15/21</a:t>
             </a:fld>
             <a:endParaRPr lang="en-US"/>
           </a:p>
@@ -3188,7 +3188,7 @@
           <a:p>
             <a:fld id="{E2688AD6-A3BD-2D4B-9B4D-77B376F56745}" type="datetimeFigureOut">
               <a:rPr lang="en-US" smtClean="0"/>
-              <a:t>3/1/21</a:t>
+              <a:t>3/15/21</a:t>
             </a:fld>
             <a:endParaRPr lang="en-US"/>
           </a:p>
@@ -5547,7 +5547,7 @@
         </p:spPr>
         <p:txBody>
           <a:bodyPr>
-            <a:normAutofit fontScale="92500" lnSpcReduction="20000"/>
+            <a:normAutofit fontScale="85000" lnSpcReduction="20000"/>
           </a:bodyPr>
           <a:lstStyle/>
           <a:p>
@@ -5596,6 +5596,23 @@
             <a:r>
               <a:rPr lang="en-US" dirty="0"/>
               <a:t>build your own interlock primitives</a:t>
+            </a:r>
+          </a:p>
+          <a:p>
+            <a:r>
+              <a:rPr lang="en-US" dirty="0">
+                <a:solidFill>
+                  <a:srgbClr val="00B050"/>
+                </a:solidFill>
+              </a:rPr>
+              <a:t>Volatile memory</a:t>
+            </a:r>
+          </a:p>
+          <a:p>
+            <a:pPr lvl="1"/>
+            <a:r>
+              <a:rPr lang="en-US" dirty="0"/>
+              <a:t>variables with sequential consistency</a:t>
             </a:r>
           </a:p>
           <a:p>
@@ -5724,7 +5741,7 @@
         </p:nvSpPr>
         <p:spPr>
           <a:xfrm>
-            <a:off x="5742219" y="3993908"/>
+            <a:off x="5742219" y="4408867"/>
             <a:ext cx="2875274" cy="523220"/>
           </a:xfrm>
           <a:prstGeom prst="rect">
@@ -5763,7 +5780,7 @@
         </p:nvSpPr>
         <p:spPr>
           <a:xfrm>
-            <a:off x="5742219" y="3315991"/>
+            <a:off x="5742219" y="3774494"/>
             <a:ext cx="1933158" cy="523220"/>
           </a:xfrm>
           <a:prstGeom prst="rect">
@@ -5810,7 +5827,7 @@
         </p:nvSpPr>
         <p:spPr>
           <a:xfrm>
-            <a:off x="5742219" y="5554695"/>
+            <a:off x="5742219" y="5785393"/>
             <a:ext cx="2319994" cy="523220"/>
           </a:xfrm>
           <a:prstGeom prst="rect">
@@ -5831,6 +5848,45 @@
             <a:r>
               <a:rPr lang="en-US" sz="2800" dirty="0"/>
               <a:t>handler();</a:t>
+            </a:r>
+          </a:p>
+        </p:txBody>
+      </p:sp>
+      <p:sp>
+        <p:nvSpPr>
+          <p:cNvPr id="8" name="TextBox 7">
+            <a:extLst>
+              <a:ext uri="{FF2B5EF4-FFF2-40B4-BE49-F238E27FC236}">
+                <a16:creationId xmlns:a16="http://schemas.microsoft.com/office/drawing/2014/main" id="{28C798B0-0ACB-614B-82CB-EF6226708A0F}"/>
+              </a:ext>
+            </a:extLst>
+          </p:cNvPr>
+          <p:cNvSpPr txBox="1"/>
+          <p:nvPr/>
+        </p:nvSpPr>
+        <p:spPr>
+          <a:xfrm>
+            <a:off x="5742219" y="3166594"/>
+            <a:ext cx="2419124" cy="523220"/>
+          </a:xfrm>
+          <a:prstGeom prst="rect">
+            <a:avLst/>
+          </a:prstGeom>
+          <a:noFill/>
+        </p:spPr>
+        <p:txBody>
+          <a:bodyPr wrap="none" rtlCol="0">
+            <a:spAutoFit/>
+          </a:bodyPr>
+          <a:lstStyle/>
+          <a:p>
+            <a:r>
+              <a:rPr lang="en-US" sz="2800" b="1" dirty="0"/>
+              <a:t>sequential </a:t>
+            </a:r>
+            <a:r>
+              <a:rPr lang="en-US" sz="2800" dirty="0"/>
+              <a:t>x, y;</a:t>
             </a:r>
           </a:p>
         </p:txBody>
@@ -6057,7 +6113,7 @@
             <a:pPr lvl="1"/>
             <a:r>
               <a:rPr lang="en-US" dirty="0"/>
-              <a:t>online C, Java, … implementations I found are incorrect because of this issue</a:t>
+              <a:t>online C/C++ implementations I found are incorrect because of this issue</a:t>
             </a:r>
           </a:p>
         </p:txBody>

--- a/Harmony.pptx
+++ b/Harmony.pptx
@@ -5605,7 +5605,7 @@
                   <a:srgbClr val="00B050"/>
                 </a:solidFill>
               </a:rPr>
-              <a:t>Volatile memory</a:t>
+              <a:t>“Volatile” variables</a:t>
             </a:r>
           </a:p>
           <a:p>

--- a/Harmony.pptx
+++ b/Harmony.pptx
@@ -209,7 +209,7 @@
           <a:p>
             <a:fld id="{DB050A5F-06C5-574D-A3AD-9B8109EC25B6}" type="datetimeFigureOut">
               <a:rPr lang="en-US" smtClean="0"/>
-              <a:t>3/15/21</a:t>
+              <a:t>3/28/21</a:t>
             </a:fld>
             <a:endParaRPr lang="en-US"/>
           </a:p>
@@ -859,7 +859,7 @@
           <a:p>
             <a:fld id="{E2688AD6-A3BD-2D4B-9B4D-77B376F56745}" type="datetimeFigureOut">
               <a:rPr lang="en-US" smtClean="0"/>
-              <a:t>3/15/21</a:t>
+              <a:t>3/28/21</a:t>
             </a:fld>
             <a:endParaRPr lang="en-US"/>
           </a:p>
@@ -1029,7 +1029,7 @@
           <a:p>
             <a:fld id="{E2688AD6-A3BD-2D4B-9B4D-77B376F56745}" type="datetimeFigureOut">
               <a:rPr lang="en-US" smtClean="0"/>
-              <a:t>3/15/21</a:t>
+              <a:t>3/28/21</a:t>
             </a:fld>
             <a:endParaRPr lang="en-US"/>
           </a:p>
@@ -1209,7 +1209,7 @@
           <a:p>
             <a:fld id="{E2688AD6-A3BD-2D4B-9B4D-77B376F56745}" type="datetimeFigureOut">
               <a:rPr lang="en-US" smtClean="0"/>
-              <a:t>3/15/21</a:t>
+              <a:t>3/28/21</a:t>
             </a:fld>
             <a:endParaRPr lang="en-US"/>
           </a:p>
@@ -1385,7 +1385,7 @@
           <a:p>
             <a:fld id="{E2688AD6-A3BD-2D4B-9B4D-77B376F56745}" type="datetimeFigureOut">
               <a:rPr lang="en-US" smtClean="0"/>
-              <a:t>3/15/21</a:t>
+              <a:t>3/28/21</a:t>
             </a:fld>
             <a:endParaRPr lang="en-US"/>
           </a:p>
@@ -1629,7 +1629,7 @@
           <a:p>
             <a:fld id="{E2688AD6-A3BD-2D4B-9B4D-77B376F56745}" type="datetimeFigureOut">
               <a:rPr lang="en-US" smtClean="0"/>
-              <a:t>3/15/21</a:t>
+              <a:t>3/28/21</a:t>
             </a:fld>
             <a:endParaRPr lang="en-US"/>
           </a:p>
@@ -1861,7 +1861,7 @@
           <a:p>
             <a:fld id="{E2688AD6-A3BD-2D4B-9B4D-77B376F56745}" type="datetimeFigureOut">
               <a:rPr lang="en-US" smtClean="0"/>
-              <a:t>3/15/21</a:t>
+              <a:t>3/28/21</a:t>
             </a:fld>
             <a:endParaRPr lang="en-US"/>
           </a:p>
@@ -2228,7 +2228,7 @@
           <a:p>
             <a:fld id="{E2688AD6-A3BD-2D4B-9B4D-77B376F56745}" type="datetimeFigureOut">
               <a:rPr lang="en-US" smtClean="0"/>
-              <a:t>3/15/21</a:t>
+              <a:t>3/28/21</a:t>
             </a:fld>
             <a:endParaRPr lang="en-US"/>
           </a:p>
@@ -2346,7 +2346,7 @@
           <a:p>
             <a:fld id="{E2688AD6-A3BD-2D4B-9B4D-77B376F56745}" type="datetimeFigureOut">
               <a:rPr lang="en-US" smtClean="0"/>
-              <a:t>3/15/21</a:t>
+              <a:t>3/28/21</a:t>
             </a:fld>
             <a:endParaRPr lang="en-US"/>
           </a:p>
@@ -2441,7 +2441,7 @@
           <a:p>
             <a:fld id="{E2688AD6-A3BD-2D4B-9B4D-77B376F56745}" type="datetimeFigureOut">
               <a:rPr lang="en-US" smtClean="0"/>
-              <a:t>3/15/21</a:t>
+              <a:t>3/28/21</a:t>
             </a:fld>
             <a:endParaRPr lang="en-US"/>
           </a:p>
@@ -2718,7 +2718,7 @@
           <a:p>
             <a:fld id="{E2688AD6-A3BD-2D4B-9B4D-77B376F56745}" type="datetimeFigureOut">
               <a:rPr lang="en-US" smtClean="0"/>
-              <a:t>3/15/21</a:t>
+              <a:t>3/28/21</a:t>
             </a:fld>
             <a:endParaRPr lang="en-US"/>
           </a:p>
@@ -2975,7 +2975,7 @@
           <a:p>
             <a:fld id="{E2688AD6-A3BD-2D4B-9B4D-77B376F56745}" type="datetimeFigureOut">
               <a:rPr lang="en-US" smtClean="0"/>
-              <a:t>3/15/21</a:t>
+              <a:t>3/28/21</a:t>
             </a:fld>
             <a:endParaRPr lang="en-US"/>
           </a:p>
@@ -3188,7 +3188,7 @@
           <a:p>
             <a:fld id="{E2688AD6-A3BD-2D4B-9B4D-77B376F56745}" type="datetimeFigureOut">
               <a:rPr lang="en-US" smtClean="0"/>
-              <a:t>3/15/21</a:t>
+              <a:t>3/28/21</a:t>
             </a:fld>
             <a:endParaRPr lang="en-US"/>
           </a:p>
@@ -3971,7 +3971,15 @@
           <a:p>
             <a:r>
               <a:rPr lang="en-US" dirty="0"/>
-              <a:t>Free Text Book (135 pages)</a:t>
+              <a:t>Free Text Book </a:t>
+            </a:r>
+            <a:r>
+              <a:rPr lang="en-US"/>
+              <a:t>(143 </a:t>
+            </a:r>
+            <a:r>
+              <a:rPr lang="en-US" dirty="0"/>
+              <a:t>pages)</a:t>
             </a:r>
           </a:p>
         </p:txBody>

--- a/Harmony.pptx
+++ b/Harmony.pptx
@@ -3971,15 +3971,7 @@
           <a:p>
             <a:r>
               <a:rPr lang="en-US" dirty="0"/>
-              <a:t>Free Text Book </a:t>
-            </a:r>
-            <a:r>
-              <a:rPr lang="en-US"/>
-              <a:t>(143 </a:t>
-            </a:r>
-            <a:r>
-              <a:rPr lang="en-US" dirty="0"/>
-              <a:t>pages)</a:t>
+              <a:t>Free Text Book (143 pages)</a:t>
             </a:r>
           </a:p>
         </p:txBody>
@@ -5603,7 +5595,7 @@
             <a:pPr lvl="1"/>
             <a:r>
               <a:rPr lang="en-US" dirty="0"/>
-              <a:t>build your own interlock primitives</a:t>
+              <a:t>build your own atomic primitives</a:t>
             </a:r>
           </a:p>
           <a:p>

--- a/Harmony.pptx
+++ b/Harmony.pptx
@@ -209,7 +209,7 @@
           <a:p>
             <a:fld id="{DB050A5F-06C5-574D-A3AD-9B8109EC25B6}" type="datetimeFigureOut">
               <a:rPr lang="en-US" smtClean="0"/>
-              <a:t>3/28/21</a:t>
+              <a:t>4/1/21</a:t>
             </a:fld>
             <a:endParaRPr lang="en-US"/>
           </a:p>
@@ -859,7 +859,7 @@
           <a:p>
             <a:fld id="{E2688AD6-A3BD-2D4B-9B4D-77B376F56745}" type="datetimeFigureOut">
               <a:rPr lang="en-US" smtClean="0"/>
-              <a:t>3/28/21</a:t>
+              <a:t>4/1/21</a:t>
             </a:fld>
             <a:endParaRPr lang="en-US"/>
           </a:p>
@@ -1029,7 +1029,7 @@
           <a:p>
             <a:fld id="{E2688AD6-A3BD-2D4B-9B4D-77B376F56745}" type="datetimeFigureOut">
               <a:rPr lang="en-US" smtClean="0"/>
-              <a:t>3/28/21</a:t>
+              <a:t>4/1/21</a:t>
             </a:fld>
             <a:endParaRPr lang="en-US"/>
           </a:p>
@@ -1209,7 +1209,7 @@
           <a:p>
             <a:fld id="{E2688AD6-A3BD-2D4B-9B4D-77B376F56745}" type="datetimeFigureOut">
               <a:rPr lang="en-US" smtClean="0"/>
-              <a:t>3/28/21</a:t>
+              <a:t>4/1/21</a:t>
             </a:fld>
             <a:endParaRPr lang="en-US"/>
           </a:p>
@@ -1385,7 +1385,7 @@
           <a:p>
             <a:fld id="{E2688AD6-A3BD-2D4B-9B4D-77B376F56745}" type="datetimeFigureOut">
               <a:rPr lang="en-US" smtClean="0"/>
-              <a:t>3/28/21</a:t>
+              <a:t>4/1/21</a:t>
             </a:fld>
             <a:endParaRPr lang="en-US"/>
           </a:p>
@@ -1629,7 +1629,7 @@
           <a:p>
             <a:fld id="{E2688AD6-A3BD-2D4B-9B4D-77B376F56745}" type="datetimeFigureOut">
               <a:rPr lang="en-US" smtClean="0"/>
-              <a:t>3/28/21</a:t>
+              <a:t>4/1/21</a:t>
             </a:fld>
             <a:endParaRPr lang="en-US"/>
           </a:p>
@@ -1861,7 +1861,7 @@
           <a:p>
             <a:fld id="{E2688AD6-A3BD-2D4B-9B4D-77B376F56745}" type="datetimeFigureOut">
               <a:rPr lang="en-US" smtClean="0"/>
-              <a:t>3/28/21</a:t>
+              <a:t>4/1/21</a:t>
             </a:fld>
             <a:endParaRPr lang="en-US"/>
           </a:p>
@@ -2228,7 +2228,7 @@
           <a:p>
             <a:fld id="{E2688AD6-A3BD-2D4B-9B4D-77B376F56745}" type="datetimeFigureOut">
               <a:rPr lang="en-US" smtClean="0"/>
-              <a:t>3/28/21</a:t>
+              <a:t>4/1/21</a:t>
             </a:fld>
             <a:endParaRPr lang="en-US"/>
           </a:p>
@@ -2346,7 +2346,7 @@
           <a:p>
             <a:fld id="{E2688AD6-A3BD-2D4B-9B4D-77B376F56745}" type="datetimeFigureOut">
               <a:rPr lang="en-US" smtClean="0"/>
-              <a:t>3/28/21</a:t>
+              <a:t>4/1/21</a:t>
             </a:fld>
             <a:endParaRPr lang="en-US"/>
           </a:p>
@@ -2441,7 +2441,7 @@
           <a:p>
             <a:fld id="{E2688AD6-A3BD-2D4B-9B4D-77B376F56745}" type="datetimeFigureOut">
               <a:rPr lang="en-US" smtClean="0"/>
-              <a:t>3/28/21</a:t>
+              <a:t>4/1/21</a:t>
             </a:fld>
             <a:endParaRPr lang="en-US"/>
           </a:p>
@@ -2718,7 +2718,7 @@
           <a:p>
             <a:fld id="{E2688AD6-A3BD-2D4B-9B4D-77B376F56745}" type="datetimeFigureOut">
               <a:rPr lang="en-US" smtClean="0"/>
-              <a:t>3/28/21</a:t>
+              <a:t>4/1/21</a:t>
             </a:fld>
             <a:endParaRPr lang="en-US"/>
           </a:p>
@@ -2975,7 +2975,7 @@
           <a:p>
             <a:fld id="{E2688AD6-A3BD-2D4B-9B4D-77B376F56745}" type="datetimeFigureOut">
               <a:rPr lang="en-US" smtClean="0"/>
-              <a:t>3/28/21</a:t>
+              <a:t>4/1/21</a:t>
             </a:fld>
             <a:endParaRPr lang="en-US"/>
           </a:p>
@@ -3188,7 +3188,7 @@
           <a:p>
             <a:fld id="{E2688AD6-A3BD-2D4B-9B4D-77B376F56745}" type="datetimeFigureOut">
               <a:rPr lang="en-US" smtClean="0"/>
-              <a:t>3/28/21</a:t>
+              <a:t>4/1/21</a:t>
             </a:fld>
             <a:endParaRPr lang="en-US"/>
           </a:p>
@@ -4098,13 +4098,19 @@
           <a:p>
             <a:r>
               <a:rPr lang="en-US" dirty="0"/>
+              <a:t>A purely online IDE available running in the cloud</a:t>
+            </a:r>
+          </a:p>
+          <a:p>
+            <a:r>
+              <a:rPr lang="en-US" dirty="0"/>
               <a:t>Students were able to use this immediately</a:t>
             </a:r>
           </a:p>
           <a:p>
             <a:r>
               <a:rPr lang="en-US" dirty="0"/>
-              <a:t>Significantly better solutions to problems sets</a:t>
+              <a:t>Significantly better solutions to problem sets</a:t>
             </a:r>
           </a:p>
           <a:p>
@@ -5019,14 +5025,14 @@
           <p:nvPr>
             <p:extLst>
               <p:ext uri="{D42A27DB-BD31-4B8C-83A1-F6EECF244321}">
-                <p14:modId xmlns:p14="http://schemas.microsoft.com/office/powerpoint/2010/main" val="780312816"/>
+                <p14:modId xmlns:p14="http://schemas.microsoft.com/office/powerpoint/2010/main" val="2491300523"/>
               </p:ext>
             </p:extLst>
           </p:nvPr>
         </p:nvGraphicFramePr>
         <p:xfrm>
           <a:off x="1024759" y="1554480"/>
-          <a:ext cx="7211916" cy="3749040"/>
+          <a:ext cx="7211916" cy="5532120"/>
         </p:xfrm>
         <a:graphic>
           <a:graphicData uri="http://schemas.openxmlformats.org/drawingml/2006/table">
@@ -5041,243 +5047,240 @@
                   </a:extLst>
                 </a:gridCol>
               </a:tblGrid>
-              <a:tr h="3270211">
+              <a:tr h="2463171">
                 <a:tc>
                   <a:txBody>
                     <a:bodyPr/>
                     <a:lstStyle/>
                     <a:p>
                       <a:r>
-                        <a:rPr lang="en-US" i="1" dirty="0"/>
+                        <a:rPr lang="en-US" sz="2400" i="1" dirty="0"/>
                         <a:t>flags</a:t>
                       </a:r>
                       <a:r>
-                        <a:rPr lang="en-US" dirty="0"/>
+                        <a:rPr lang="en-US" sz="2400" dirty="0"/>
                         <a:t> = [ </a:t>
                       </a:r>
                       <a:r>
-                        <a:rPr lang="en-US" b="1" dirty="0"/>
+                        <a:rPr lang="en-US" sz="2400" b="1" dirty="0"/>
                         <a:t>False</a:t>
                       </a:r>
                       <a:r>
-                        <a:rPr lang="en-US" dirty="0"/>
+                        <a:rPr lang="en-US" sz="2400" dirty="0"/>
                         <a:t>, </a:t>
                       </a:r>
                       <a:r>
-                        <a:rPr lang="en-US" b="1" dirty="0"/>
+                        <a:rPr lang="en-US" sz="2400" b="1" dirty="0"/>
                         <a:t>False</a:t>
                       </a:r>
                       <a:r>
-                        <a:rPr lang="en-US" dirty="0"/>
+                        <a:rPr lang="en-US" sz="2400" dirty="0"/>
                         <a:t> ]</a:t>
                       </a:r>
                     </a:p>
                     <a:p>
                       <a:r>
-                        <a:rPr lang="en-US" i="1" dirty="0"/>
+                        <a:rPr lang="en-US" sz="2400" i="1" dirty="0"/>
                         <a:t>turn</a:t>
                       </a:r>
                       <a:r>
-                        <a:rPr lang="en-US" dirty="0"/>
+                        <a:rPr lang="en-US" sz="2400" dirty="0"/>
                         <a:t> = 0</a:t>
                       </a:r>
+                    </a:p>
+                    <a:p>
+                      <a:endParaRPr lang="en-US" sz="1100" dirty="0"/>
+                    </a:p>
+                    <a:p>
+                      <a:r>
+                        <a:rPr lang="en-US" sz="2400" b="1" dirty="0"/>
+                        <a:t>def</a:t>
+                      </a:r>
+                      <a:r>
+                        <a:rPr lang="en-US" sz="2400" dirty="0"/>
+                        <a:t> thread(</a:t>
+                      </a:r>
+                      <a:r>
+                        <a:rPr lang="en-US" sz="2400" i="1" dirty="0"/>
+                        <a:t>self</a:t>
+                      </a:r>
+                      <a:r>
+                        <a:rPr lang="en-US" sz="2400" dirty="0"/>
+                        <a:t>):</a:t>
+                      </a:r>
+                    </a:p>
+                    <a:p>
+                      <a:r>
+                        <a:rPr lang="en-US" sz="2400" dirty="0"/>
+                        <a:t>    </a:t>
+                      </a:r>
+                      <a:r>
+                        <a:rPr lang="en-US" sz="2400" b="1" dirty="0"/>
+                        <a:t>while</a:t>
+                      </a:r>
+                      <a:r>
+                        <a:rPr lang="en-US" sz="2400" dirty="0"/>
+                        <a:t> </a:t>
+                      </a:r>
+                      <a:r>
+                        <a:rPr lang="en-US" sz="2400" b="1" dirty="0"/>
+                        <a:t>True</a:t>
+                      </a:r>
+                      <a:r>
+                        <a:rPr lang="en-US" sz="2400" dirty="0"/>
+                        <a:t>:</a:t>
+                      </a:r>
+                    </a:p>
+                    <a:p>
+                      <a:r>
+                        <a:rPr lang="en-US" sz="2400" i="1" dirty="0"/>
+                        <a:t>        flags</a:t>
+                      </a:r>
+                      <a:r>
+                        <a:rPr lang="en-US" sz="2400" dirty="0"/>
+                        <a:t>[</a:t>
+                      </a:r>
+                      <a:r>
+                        <a:rPr lang="en-US" sz="2400" i="1" dirty="0"/>
+                        <a:t>self</a:t>
+                      </a:r>
+                      <a:r>
+                        <a:rPr lang="en-US" sz="2400" dirty="0"/>
+                        <a:t>] = </a:t>
+                      </a:r>
+                      <a:r>
+                        <a:rPr lang="en-US" sz="2400" b="1" dirty="0"/>
+                        <a:t>True</a:t>
+                      </a:r>
+                      <a:endParaRPr lang="en-US" sz="2400" dirty="0"/>
+                    </a:p>
+                    <a:p>
+                      <a:r>
+                        <a:rPr lang="en-US" sz="2400" dirty="0"/>
+                        <a:t>        </a:t>
+                      </a:r>
+                      <a:r>
+                        <a:rPr lang="en-US" sz="2400" i="1" dirty="0"/>
+                        <a:t>turn</a:t>
+                      </a:r>
+                      <a:r>
+                        <a:rPr lang="en-US" sz="2400" dirty="0"/>
+                        <a:t> = 1 - </a:t>
+                      </a:r>
+                      <a:r>
+                        <a:rPr lang="en-US" sz="2400" i="1" dirty="0"/>
+                        <a:t>self</a:t>
+                      </a:r>
+                      <a:endParaRPr lang="en-US" sz="2400" dirty="0"/>
+                    </a:p>
+                    <a:p>
+                      <a:r>
+                        <a:rPr lang="en-US" sz="2400" dirty="0"/>
+                        <a:t>        </a:t>
+                      </a:r>
+                      <a:r>
+                        <a:rPr lang="en-US" sz="2400" b="1" dirty="0"/>
+                        <a:t>while</a:t>
+                      </a:r>
+                      <a:r>
+                        <a:rPr lang="en-US" sz="2400" dirty="0"/>
+                        <a:t> </a:t>
+                      </a:r>
+                      <a:r>
+                        <a:rPr lang="en-US" sz="2400" i="1" dirty="0"/>
+                        <a:t>flags</a:t>
+                      </a:r>
+                      <a:r>
+                        <a:rPr lang="en-US" sz="2400" dirty="0"/>
+                        <a:t>[1 - </a:t>
+                      </a:r>
+                      <a:r>
+                        <a:rPr lang="en-US" sz="2400" i="1" dirty="0"/>
+                        <a:t>self</a:t>
+                      </a:r>
+                      <a:r>
+                        <a:rPr lang="en-US" sz="2400" dirty="0"/>
+                        <a:t>] </a:t>
+                      </a:r>
+                      <a:r>
+                        <a:rPr lang="en-US" sz="2400" b="1" dirty="0"/>
+                        <a:t>and</a:t>
+                      </a:r>
+                      <a:r>
+                        <a:rPr lang="en-US" sz="2400" dirty="0"/>
+                        <a:t> (</a:t>
+                      </a:r>
+                      <a:r>
+                        <a:rPr lang="en-US" sz="2400" i="1" dirty="0"/>
+                        <a:t>turn</a:t>
+                      </a:r>
+                      <a:r>
+                        <a:rPr lang="en-US" sz="2400" dirty="0"/>
+                        <a:t> == (1 - </a:t>
+                      </a:r>
+                      <a:r>
+                        <a:rPr lang="en-US" sz="2400" i="1" dirty="0"/>
+                        <a:t>self</a:t>
+                      </a:r>
+                      <a:r>
+                        <a:rPr lang="en-US" sz="2400" dirty="0"/>
+                        <a:t>)):</a:t>
+                      </a:r>
+                    </a:p>
+                    <a:p>
+                      <a:r>
+                        <a:rPr lang="en-US" sz="2400" b="1" dirty="0"/>
+                        <a:t>             pass</a:t>
+                      </a:r>
+                      <a:endParaRPr lang="en-US" sz="2400" dirty="0"/>
+                    </a:p>
+                    <a:p>
+                      <a:r>
+                        <a:rPr lang="en-US" sz="2400" b="1" dirty="0">
+                          <a:solidFill>
+                            <a:schemeClr val="tx1"/>
+                          </a:solidFill>
+                        </a:rPr>
+                        <a:t>        pass    </a:t>
+                      </a:r>
+                      <a:r>
+                        <a:rPr lang="en-US" sz="2400" b="0" i="1" dirty="0">
+                          <a:solidFill>
+                            <a:schemeClr val="tx1"/>
+                          </a:solidFill>
+                        </a:rPr>
+                        <a:t># critical section</a:t>
+                      </a:r>
+                    </a:p>
+                    <a:p>
+                      <a:r>
+                        <a:rPr lang="en-US" sz="2400" i="1" dirty="0"/>
+                        <a:t>        flags</a:t>
+                      </a:r>
+                      <a:r>
+                        <a:rPr lang="en-US" sz="2400" dirty="0"/>
+                        <a:t>[</a:t>
+                      </a:r>
+                      <a:r>
+                        <a:rPr lang="en-US" sz="2400" i="1" dirty="0"/>
+                        <a:t>self</a:t>
+                      </a:r>
+                      <a:r>
+                        <a:rPr lang="en-US" sz="2400" dirty="0"/>
+                        <a:t>] = </a:t>
+                      </a:r>
+                      <a:r>
+                        <a:rPr lang="en-US" sz="2400" b="1" dirty="0"/>
+                        <a:t>False</a:t>
+                      </a:r>
+                      <a:endParaRPr lang="en-US" sz="2400" dirty="0"/>
                     </a:p>
                     <a:p>
                       <a:endParaRPr lang="en-US" sz="1000" dirty="0"/>
                     </a:p>
                     <a:p>
                       <a:r>
-                        <a:rPr lang="en-US" b="1" dirty="0"/>
-                        <a:t>def</a:t>
-                      </a:r>
-                      <a:r>
-                        <a:rPr lang="en-US" dirty="0"/>
-                        <a:t> process(</a:t>
-                      </a:r>
-                      <a:r>
-                        <a:rPr lang="en-US" i="1" dirty="0"/>
-                        <a:t>self</a:t>
-                      </a:r>
-                      <a:r>
-                        <a:rPr lang="en-US" dirty="0"/>
-                        <a:t>):</a:t>
-                      </a:r>
-                    </a:p>
-                    <a:p>
-                      <a:r>
-                        <a:rPr lang="en-US" dirty="0"/>
-                        <a:t>    </a:t>
-                      </a:r>
-                      <a:r>
-                        <a:rPr lang="en-US" b="1" dirty="0"/>
-                        <a:t>while</a:t>
-                      </a:r>
-                      <a:r>
-                        <a:rPr lang="en-US" dirty="0"/>
-                        <a:t> </a:t>
-                      </a:r>
-                      <a:r>
-                        <a:rPr lang="en-US" b="1" dirty="0"/>
-                        <a:t>True</a:t>
-                      </a:r>
-                      <a:r>
-                        <a:rPr lang="en-US" dirty="0"/>
-                        <a:t>:</a:t>
-                      </a:r>
-                    </a:p>
-                    <a:p>
-                      <a:r>
-                        <a:rPr lang="en-US" i="1" dirty="0"/>
-                        <a:t>        flags</a:t>
-                      </a:r>
-                      <a:r>
-                        <a:rPr lang="en-US" dirty="0"/>
-                        <a:t>[</a:t>
-                      </a:r>
-                      <a:r>
-                        <a:rPr lang="en-US" i="1" dirty="0"/>
-                        <a:t>self</a:t>
-                      </a:r>
-                      <a:r>
-                        <a:rPr lang="en-US" dirty="0"/>
-                        <a:t>] = </a:t>
-                      </a:r>
-                      <a:r>
-                        <a:rPr lang="en-US" b="1" dirty="0"/>
-                        <a:t>True</a:t>
-                      </a:r>
-                      <a:endParaRPr lang="en-US" dirty="0"/>
-                    </a:p>
-                    <a:p>
-                      <a:r>
-                        <a:rPr lang="en-US" dirty="0"/>
-                        <a:t>        </a:t>
-                      </a:r>
-                      <a:r>
-                        <a:rPr lang="en-US" i="1" dirty="0"/>
-                        <a:t>turn</a:t>
-                      </a:r>
-                      <a:r>
-                        <a:rPr lang="en-US" dirty="0"/>
-                        <a:t> = 1 - </a:t>
-                      </a:r>
-                      <a:r>
-                        <a:rPr lang="en-US" i="1" dirty="0"/>
-                        <a:t>self</a:t>
-                      </a:r>
-                      <a:endParaRPr lang="en-US" dirty="0"/>
-                    </a:p>
-                    <a:p>
-                      <a:r>
-                        <a:rPr lang="en-US" dirty="0"/>
-                        <a:t>        </a:t>
-                      </a:r>
-                      <a:r>
-                        <a:rPr lang="en-US" b="1" dirty="0"/>
-                        <a:t>while</a:t>
-                      </a:r>
-                      <a:r>
-                        <a:rPr lang="en-US" dirty="0"/>
-                        <a:t> </a:t>
-                      </a:r>
-                      <a:r>
-                        <a:rPr lang="en-US" i="1" dirty="0"/>
-                        <a:t>flags</a:t>
-                      </a:r>
-                      <a:r>
-                        <a:rPr lang="en-US" dirty="0"/>
-                        <a:t>[1 - </a:t>
-                      </a:r>
-                      <a:r>
-                        <a:rPr lang="en-US" i="1" dirty="0"/>
-                        <a:t>self</a:t>
-                      </a:r>
-                      <a:r>
-                        <a:rPr lang="en-US" dirty="0"/>
-                        <a:t>] </a:t>
-                      </a:r>
-                      <a:r>
-                        <a:rPr lang="en-US" b="1" dirty="0"/>
-                        <a:t>and</a:t>
-                      </a:r>
-                      <a:r>
-                        <a:rPr lang="en-US" dirty="0"/>
-                        <a:t> (</a:t>
-                      </a:r>
-                      <a:r>
-                        <a:rPr lang="en-US" i="1" dirty="0"/>
-                        <a:t>turn</a:t>
-                      </a:r>
-                      <a:r>
-                        <a:rPr lang="en-US" dirty="0"/>
-                        <a:t> == (1 - </a:t>
-                      </a:r>
-                      <a:r>
-                        <a:rPr lang="en-US" i="1" dirty="0"/>
-                        <a:t>self</a:t>
-                      </a:r>
-                      <a:r>
-                        <a:rPr lang="en-US" dirty="0"/>
-                        <a:t>)): </a:t>
-                      </a:r>
-                      <a:r>
-                        <a:rPr lang="en-US" b="1" dirty="0"/>
-                        <a:t>pass</a:t>
-                      </a:r>
-                      <a:endParaRPr lang="en-US" dirty="0"/>
-                    </a:p>
-                    <a:p>
-                      <a:r>
-                        <a:rPr lang="en-US" b="1" dirty="0">
-                          <a:solidFill>
-                            <a:srgbClr val="00B050"/>
-                          </a:solidFill>
-                        </a:rPr>
-                        <a:t>        @cs: </a:t>
-                      </a:r>
-                      <a:r>
-                        <a:rPr lang="en-US" b="1" dirty="0">
-                          <a:solidFill>
-                            <a:schemeClr val="tx1"/>
-                          </a:solidFill>
-                        </a:rPr>
-                        <a:t>pass</a:t>
-                      </a:r>
-                      <a:endParaRPr lang="en-US" dirty="0">
-                        <a:solidFill>
-                          <a:schemeClr val="tx1"/>
-                        </a:solidFill>
-                      </a:endParaRPr>
-                    </a:p>
-                    <a:p>
-                      <a:r>
-                        <a:rPr lang="en-US" i="1" dirty="0"/>
-                        <a:t>        flags</a:t>
-                      </a:r>
-                      <a:r>
-                        <a:rPr lang="en-US" dirty="0"/>
-                        <a:t>[</a:t>
-                      </a:r>
-                      <a:r>
-                        <a:rPr lang="en-US" i="1" dirty="0"/>
-                        <a:t>self</a:t>
-                      </a:r>
-                      <a:r>
-                        <a:rPr lang="en-US" dirty="0"/>
-                        <a:t>] = </a:t>
-                      </a:r>
-                      <a:r>
-                        <a:rPr lang="en-US" b="1" dirty="0"/>
-                        <a:t>False</a:t>
-                      </a:r>
-                      <a:endParaRPr lang="en-US" dirty="0"/>
-                    </a:p>
-                    <a:p>
-                      <a:endParaRPr lang="en-US" sz="800" dirty="0"/>
-                    </a:p>
-                    <a:p>
-                      <a:r>
-                        <a:rPr lang="en-US" b="1" dirty="0">
+                        <a:rPr lang="en-US" sz="2400" b="1" dirty="0">
                           <a:solidFill>
                             <a:srgbClr val="00B050"/>
                           </a:solidFill>
@@ -5285,13 +5288,13 @@
                         <a:t>spawn</a:t>
                       </a:r>
                       <a:r>
-                        <a:rPr lang="en-US" dirty="0"/>
-                        <a:t> process(0)</a:t>
+                        <a:rPr lang="en-US" sz="2400" dirty="0"/>
+                        <a:t> thread(0)</a:t>
                       </a:r>
                     </a:p>
                     <a:p>
                       <a:r>
-                        <a:rPr lang="en-US" b="1" dirty="0">
+                        <a:rPr lang="en-US" sz="2400" b="1" dirty="0">
                           <a:solidFill>
                             <a:srgbClr val="00B050"/>
                           </a:solidFill>
@@ -5299,8 +5302,8 @@
                         <a:t>spawn</a:t>
                       </a:r>
                       <a:r>
-                        <a:rPr lang="en-US" dirty="0"/>
-                        <a:t> process(1)</a:t>
+                        <a:rPr lang="en-US" sz="2400" dirty="0"/>
+                        <a:t> thread(1)</a:t>
                       </a:r>
                     </a:p>
                   </a:txBody>
@@ -5325,7 +5328,7 @@
                   </a:ext>
                 </a:extLst>
               </a:tr>
-              <a:tr h="353536">
+              <a:tr h="266289">
                 <a:tc>
                   <a:txBody>
                     <a:bodyPr/>
@@ -5352,6 +5355,36 @@
                 <a:extLst>
                   <a:ext uri="{0D108BD9-81ED-4DB2-BD59-A6C34878D82A}">
                     <a16:rowId xmlns:a16="http://schemas.microsoft.com/office/drawing/2014/main" val="1272322392"/>
+                  </a:ext>
+                </a:extLst>
+              </a:tr>
+              <a:tr h="266289">
+                <a:tc>
+                  <a:txBody>
+                    <a:bodyPr/>
+                    <a:lstStyle/>
+                    <a:p>
+                      <a:endParaRPr lang="en-US" dirty="0"/>
+                    </a:p>
+                  </a:txBody>
+                  <a:tcPr anchor="ctr">
+                    <a:lnL>
+                      <a:noFill/>
+                    </a:lnL>
+                    <a:lnR>
+                      <a:noFill/>
+                    </a:lnR>
+                    <a:lnT>
+                      <a:noFill/>
+                    </a:lnT>
+                    <a:lnB>
+                      <a:noFill/>
+                    </a:lnB>
+                  </a:tcPr>
+                </a:tc>
+                <a:extLst>
+                  <a:ext uri="{0D108BD9-81ED-4DB2-BD59-A6C34878D82A}">
+                    <a16:rowId xmlns:a16="http://schemas.microsoft.com/office/drawing/2014/main" val="4117182803"/>
                   </a:ext>
                 </a:extLst>
               </a:tr>
@@ -5462,6 +5495,41 @@
               <a:effectLst/>
               <a:latin typeface="Arial" panose="020B0604020202020204" pitchFamily="34" charset="0"/>
             </a:endParaRPr>
+          </a:p>
+        </p:txBody>
+      </p:sp>
+      <p:sp>
+        <p:nvSpPr>
+          <p:cNvPr id="3" name="TextBox 2">
+            <a:extLst>
+              <a:ext uri="{FF2B5EF4-FFF2-40B4-BE49-F238E27FC236}">
+                <a16:creationId xmlns:a16="http://schemas.microsoft.com/office/drawing/2014/main" id="{2C1A1F83-FDCA-BA4C-88DA-663A9F37F4DB}"/>
+              </a:ext>
+            </a:extLst>
+          </p:cNvPr>
+          <p:cNvSpPr txBox="1"/>
+          <p:nvPr/>
+        </p:nvSpPr>
+        <p:spPr>
+          <a:xfrm>
+            <a:off x="6006585" y="6031209"/>
+            <a:ext cx="2776273" cy="461665"/>
+          </a:xfrm>
+          <a:prstGeom prst="rect">
+            <a:avLst/>
+          </a:prstGeom>
+          <a:noFill/>
+        </p:spPr>
+        <p:txBody>
+          <a:bodyPr wrap="none" rtlCol="0">
+            <a:spAutoFit/>
+          </a:bodyPr>
+          <a:lstStyle/>
+          <a:p>
+            <a:r>
+              <a:rPr lang="en-US" sz="2400" dirty="0"/>
+              <a:t>Peterson’s Algorithm</a:t>
+            </a:r>
           </a:p>
         </p:txBody>
       </p:sp>

--- a/Harmony.pptx
+++ b/Harmony.pptx
@@ -209,7 +209,7 @@
           <a:p>
             <a:fld id="{DB050A5F-06C5-574D-A3AD-9B8109EC25B6}" type="datetimeFigureOut">
               <a:rPr lang="en-US" smtClean="0"/>
-              <a:t>4/1/21</a:t>
+              <a:t>4/5/21</a:t>
             </a:fld>
             <a:endParaRPr lang="en-US"/>
           </a:p>
@@ -859,7 +859,7 @@
           <a:p>
             <a:fld id="{E2688AD6-A3BD-2D4B-9B4D-77B376F56745}" type="datetimeFigureOut">
               <a:rPr lang="en-US" smtClean="0"/>
-              <a:t>4/1/21</a:t>
+              <a:t>4/5/21</a:t>
             </a:fld>
             <a:endParaRPr lang="en-US"/>
           </a:p>
@@ -1029,7 +1029,7 @@
           <a:p>
             <a:fld id="{E2688AD6-A3BD-2D4B-9B4D-77B376F56745}" type="datetimeFigureOut">
               <a:rPr lang="en-US" smtClean="0"/>
-              <a:t>4/1/21</a:t>
+              <a:t>4/5/21</a:t>
             </a:fld>
             <a:endParaRPr lang="en-US"/>
           </a:p>
@@ -1209,7 +1209,7 @@
           <a:p>
             <a:fld id="{E2688AD6-A3BD-2D4B-9B4D-77B376F56745}" type="datetimeFigureOut">
               <a:rPr lang="en-US" smtClean="0"/>
-              <a:t>4/1/21</a:t>
+              <a:t>4/5/21</a:t>
             </a:fld>
             <a:endParaRPr lang="en-US"/>
           </a:p>
@@ -1385,7 +1385,7 @@
           <a:p>
             <a:fld id="{E2688AD6-A3BD-2D4B-9B4D-77B376F56745}" type="datetimeFigureOut">
               <a:rPr lang="en-US" smtClean="0"/>
-              <a:t>4/1/21</a:t>
+              <a:t>4/5/21</a:t>
             </a:fld>
             <a:endParaRPr lang="en-US"/>
           </a:p>
@@ -1629,7 +1629,7 @@
           <a:p>
             <a:fld id="{E2688AD6-A3BD-2D4B-9B4D-77B376F56745}" type="datetimeFigureOut">
               <a:rPr lang="en-US" smtClean="0"/>
-              <a:t>4/1/21</a:t>
+              <a:t>4/5/21</a:t>
             </a:fld>
             <a:endParaRPr lang="en-US"/>
           </a:p>
@@ -1861,7 +1861,7 @@
           <a:p>
             <a:fld id="{E2688AD6-A3BD-2D4B-9B4D-77B376F56745}" type="datetimeFigureOut">
               <a:rPr lang="en-US" smtClean="0"/>
-              <a:t>4/1/21</a:t>
+              <a:t>4/5/21</a:t>
             </a:fld>
             <a:endParaRPr lang="en-US"/>
           </a:p>
@@ -2228,7 +2228,7 @@
           <a:p>
             <a:fld id="{E2688AD6-A3BD-2D4B-9B4D-77B376F56745}" type="datetimeFigureOut">
               <a:rPr lang="en-US" smtClean="0"/>
-              <a:t>4/1/21</a:t>
+              <a:t>4/5/21</a:t>
             </a:fld>
             <a:endParaRPr lang="en-US"/>
           </a:p>
@@ -2346,7 +2346,7 @@
           <a:p>
             <a:fld id="{E2688AD6-A3BD-2D4B-9B4D-77B376F56745}" type="datetimeFigureOut">
               <a:rPr lang="en-US" smtClean="0"/>
-              <a:t>4/1/21</a:t>
+              <a:t>4/5/21</a:t>
             </a:fld>
             <a:endParaRPr lang="en-US"/>
           </a:p>
@@ -2441,7 +2441,7 @@
           <a:p>
             <a:fld id="{E2688AD6-A3BD-2D4B-9B4D-77B376F56745}" type="datetimeFigureOut">
               <a:rPr lang="en-US" smtClean="0"/>
-              <a:t>4/1/21</a:t>
+              <a:t>4/5/21</a:t>
             </a:fld>
             <a:endParaRPr lang="en-US"/>
           </a:p>
@@ -2718,7 +2718,7 @@
           <a:p>
             <a:fld id="{E2688AD6-A3BD-2D4B-9B4D-77B376F56745}" type="datetimeFigureOut">
               <a:rPr lang="en-US" smtClean="0"/>
-              <a:t>4/1/21</a:t>
+              <a:t>4/5/21</a:t>
             </a:fld>
             <a:endParaRPr lang="en-US"/>
           </a:p>
@@ -2975,7 +2975,7 @@
           <a:p>
             <a:fld id="{E2688AD6-A3BD-2D4B-9B4D-77B376F56745}" type="datetimeFigureOut">
               <a:rPr lang="en-US" smtClean="0"/>
-              <a:t>4/1/21</a:t>
+              <a:t>4/5/21</a:t>
             </a:fld>
             <a:endParaRPr lang="en-US"/>
           </a:p>
@@ -3188,7 +3188,7 @@
           <a:p>
             <a:fld id="{E2688AD6-A3BD-2D4B-9B4D-77B376F56745}" type="datetimeFigureOut">
               <a:rPr lang="en-US" smtClean="0"/>
-              <a:t>4/1/21</a:t>
+              <a:t>4/5/21</a:t>
             </a:fld>
             <a:endParaRPr lang="en-US"/>
           </a:p>
@@ -4059,7 +4059,14 @@
           <a:p>
             <a:r>
               <a:rPr lang="en-US" dirty="0"/>
-              <a:t>Early experience (Fall 2020)</a:t>
+              <a:t>Early experience</a:t>
+            </a:r>
+            <a:br>
+              <a:rPr lang="en-US" dirty="0"/>
+            </a:br>
+            <a:r>
+              <a:rPr lang="en-US" dirty="0"/>
+              <a:t>(Fall 2020, Spring 2021)</a:t>
             </a:r>
           </a:p>
         </p:txBody>
@@ -4082,8 +4089,8 @@
         </p:nvSpPr>
         <p:spPr>
           <a:xfrm>
-            <a:off x="628650" y="1555080"/>
-            <a:ext cx="7886700" cy="4351338"/>
+            <a:off x="628650" y="1828800"/>
+            <a:ext cx="7886700" cy="4077618"/>
           </a:xfrm>
         </p:spPr>
         <p:txBody>
@@ -4135,7 +4142,7 @@
           <a:p>
             <a:r>
               <a:rPr lang="en-US" dirty="0"/>
-              <a:t>Easy to understand bug reports to students</a:t>
+              <a:t>Understandable bug reports to students</a:t>
             </a:r>
           </a:p>
           <a:p>
@@ -4160,7 +4167,7 @@
         </p:nvSpPr>
         <p:spPr>
           <a:xfrm>
-            <a:off x="2341180" y="5675586"/>
+            <a:off x="2907237" y="5906418"/>
             <a:ext cx="5200526" cy="461665"/>
           </a:xfrm>
           <a:prstGeom prst="rect">
@@ -6074,14 +6081,28 @@
             <a:pPr lvl="1"/>
             <a:r>
               <a:rPr lang="en-US" dirty="0"/>
-              <a:t>Busy Waiting</a:t>
+              <a:t>Absence of Busy Waiting</a:t>
             </a:r>
           </a:p>
           <a:p>
             <a:pPr lvl="1"/>
             <a:r>
               <a:rPr lang="en-US" dirty="0"/>
-              <a:t>Data Races</a:t>
+              <a:t>Data Race Freedom</a:t>
+            </a:r>
+          </a:p>
+          <a:p>
+            <a:pPr lvl="1"/>
+            <a:r>
+              <a:rPr lang="en-US" dirty="0"/>
+              <a:t>Linearizability</a:t>
+            </a:r>
+          </a:p>
+          <a:p>
+            <a:pPr lvl="2"/>
+            <a:r>
+              <a:rPr lang="en-US" dirty="0"/>
+              <a:t>(requires annotating linearization points)</a:t>
             </a:r>
           </a:p>
         </p:txBody>
@@ -6167,21 +6188,14 @@
           <a:p>
             <a:r>
               <a:rPr lang="en-US" dirty="0"/>
-              <a:t>Harmony found data race in concurrent queue implementation in a 25-year-old PODC paper with over 1300 citations</a:t>
+              <a:t>Harmony found data race in both concurrent queue implementations in a 25-year-old PODC paper with over 1300 citations</a:t>
             </a:r>
           </a:p>
           <a:p>
             <a:pPr lvl="1"/>
             <a:r>
               <a:rPr lang="en-US" dirty="0"/>
-              <a:t>tacitly assumes sequentially consistent memory</a:t>
-            </a:r>
-          </a:p>
-          <a:p>
-            <a:pPr lvl="1"/>
-            <a:r>
-              <a:rPr lang="en-US" dirty="0"/>
-              <a:t>online C/C++ implementations I found are incorrect because of this issue</a:t>
+              <a:t>tacitly assume sequentially consistent memory</a:t>
             </a:r>
           </a:p>
         </p:txBody>

--- a/Harmony.pptx
+++ b/Harmony.pptx
@@ -209,7 +209,7 @@
           <a:p>
             <a:fld id="{DB050A5F-06C5-574D-A3AD-9B8109EC25B6}" type="datetimeFigureOut">
               <a:rPr lang="en-US" smtClean="0"/>
-              <a:t>4/5/21</a:t>
+              <a:t>4/7/21</a:t>
             </a:fld>
             <a:endParaRPr lang="en-US"/>
           </a:p>
@@ -859,7 +859,7 @@
           <a:p>
             <a:fld id="{E2688AD6-A3BD-2D4B-9B4D-77B376F56745}" type="datetimeFigureOut">
               <a:rPr lang="en-US" smtClean="0"/>
-              <a:t>4/5/21</a:t>
+              <a:t>4/7/21</a:t>
             </a:fld>
             <a:endParaRPr lang="en-US"/>
           </a:p>
@@ -1029,7 +1029,7 @@
           <a:p>
             <a:fld id="{E2688AD6-A3BD-2D4B-9B4D-77B376F56745}" type="datetimeFigureOut">
               <a:rPr lang="en-US" smtClean="0"/>
-              <a:t>4/5/21</a:t>
+              <a:t>4/7/21</a:t>
             </a:fld>
             <a:endParaRPr lang="en-US"/>
           </a:p>
@@ -1209,7 +1209,7 @@
           <a:p>
             <a:fld id="{E2688AD6-A3BD-2D4B-9B4D-77B376F56745}" type="datetimeFigureOut">
               <a:rPr lang="en-US" smtClean="0"/>
-              <a:t>4/5/21</a:t>
+              <a:t>4/7/21</a:t>
             </a:fld>
             <a:endParaRPr lang="en-US"/>
           </a:p>
@@ -1385,7 +1385,7 @@
           <a:p>
             <a:fld id="{E2688AD6-A3BD-2D4B-9B4D-77B376F56745}" type="datetimeFigureOut">
               <a:rPr lang="en-US" smtClean="0"/>
-              <a:t>4/5/21</a:t>
+              <a:t>4/7/21</a:t>
             </a:fld>
             <a:endParaRPr lang="en-US"/>
           </a:p>
@@ -1629,7 +1629,7 @@
           <a:p>
             <a:fld id="{E2688AD6-A3BD-2D4B-9B4D-77B376F56745}" type="datetimeFigureOut">
               <a:rPr lang="en-US" smtClean="0"/>
-              <a:t>4/5/21</a:t>
+              <a:t>4/7/21</a:t>
             </a:fld>
             <a:endParaRPr lang="en-US"/>
           </a:p>
@@ -1861,7 +1861,7 @@
           <a:p>
             <a:fld id="{E2688AD6-A3BD-2D4B-9B4D-77B376F56745}" type="datetimeFigureOut">
               <a:rPr lang="en-US" smtClean="0"/>
-              <a:t>4/5/21</a:t>
+              <a:t>4/7/21</a:t>
             </a:fld>
             <a:endParaRPr lang="en-US"/>
           </a:p>
@@ -2228,7 +2228,7 @@
           <a:p>
             <a:fld id="{E2688AD6-A3BD-2D4B-9B4D-77B376F56745}" type="datetimeFigureOut">
               <a:rPr lang="en-US" smtClean="0"/>
-              <a:t>4/5/21</a:t>
+              <a:t>4/7/21</a:t>
             </a:fld>
             <a:endParaRPr lang="en-US"/>
           </a:p>
@@ -2346,7 +2346,7 @@
           <a:p>
             <a:fld id="{E2688AD6-A3BD-2D4B-9B4D-77B376F56745}" type="datetimeFigureOut">
               <a:rPr lang="en-US" smtClean="0"/>
-              <a:t>4/5/21</a:t>
+              <a:t>4/7/21</a:t>
             </a:fld>
             <a:endParaRPr lang="en-US"/>
           </a:p>
@@ -2441,7 +2441,7 @@
           <a:p>
             <a:fld id="{E2688AD6-A3BD-2D4B-9B4D-77B376F56745}" type="datetimeFigureOut">
               <a:rPr lang="en-US" smtClean="0"/>
-              <a:t>4/5/21</a:t>
+              <a:t>4/7/21</a:t>
             </a:fld>
             <a:endParaRPr lang="en-US"/>
           </a:p>
@@ -2718,7 +2718,7 @@
           <a:p>
             <a:fld id="{E2688AD6-A3BD-2D4B-9B4D-77B376F56745}" type="datetimeFigureOut">
               <a:rPr lang="en-US" smtClean="0"/>
-              <a:t>4/5/21</a:t>
+              <a:t>4/7/21</a:t>
             </a:fld>
             <a:endParaRPr lang="en-US"/>
           </a:p>
@@ -2975,7 +2975,7 @@
           <a:p>
             <a:fld id="{E2688AD6-A3BD-2D4B-9B4D-77B376F56745}" type="datetimeFigureOut">
               <a:rPr lang="en-US" smtClean="0"/>
-              <a:t>4/5/21</a:t>
+              <a:t>4/7/21</a:t>
             </a:fld>
             <a:endParaRPr lang="en-US"/>
           </a:p>
@@ -3188,7 +3188,7 @@
           <a:p>
             <a:fld id="{E2688AD6-A3BD-2D4B-9B4D-77B376F56745}" type="datetimeFigureOut">
               <a:rPr lang="en-US" smtClean="0"/>
-              <a:t>4/5/21</a:t>
+              <a:t>4/7/21</a:t>
             </a:fld>
             <a:endParaRPr lang="en-US"/>
           </a:p>
@@ -3964,7 +3964,12 @@
             <p:ph type="title"/>
           </p:nvPr>
         </p:nvSpPr>
-        <p:spPr/>
+        <p:spPr>
+          <a:xfrm>
+            <a:off x="628650" y="365126"/>
+            <a:ext cx="7886700" cy="832303"/>
+          </a:xfrm>
+        </p:spPr>
         <p:txBody>
           <a:bodyPr/>
           <a:lstStyle/>
@@ -4997,7 +5002,12 @@
             <p:ph type="title"/>
           </p:nvPr>
         </p:nvSpPr>
-        <p:spPr/>
+        <p:spPr>
+          <a:xfrm>
+            <a:off x="628650" y="365127"/>
+            <a:ext cx="7886700" cy="941160"/>
+          </a:xfrm>
+        </p:spPr>
         <p:txBody>
           <a:bodyPr/>
           <a:lstStyle/>
@@ -5586,7 +5596,12 @@
             <p:ph type="title"/>
           </p:nvPr>
         </p:nvSpPr>
-        <p:spPr/>
+        <p:spPr>
+          <a:xfrm>
+            <a:off x="628650" y="141514"/>
+            <a:ext cx="7886700" cy="979715"/>
+          </a:xfrm>
+        </p:spPr>
         <p:txBody>
           <a:bodyPr/>
           <a:lstStyle/>
@@ -5616,13 +5631,13 @@
         </p:nvSpPr>
         <p:spPr>
           <a:xfrm>
-            <a:off x="397421" y="1615418"/>
-            <a:ext cx="8546881" cy="4877456"/>
+            <a:off x="397421" y="1267075"/>
+            <a:ext cx="8546881" cy="5101068"/>
           </a:xfrm>
         </p:spPr>
         <p:txBody>
           <a:bodyPr>
-            <a:normAutofit fontScale="85000" lnSpcReduction="20000"/>
+            <a:normAutofit fontScale="77500" lnSpcReduction="20000"/>
           </a:bodyPr>
           <a:lstStyle/>
           <a:p>
@@ -5655,6 +5670,16 @@
               <a:t>spinlocks, condition variables (both Mesa and Hoare), semaphores, synchronized queues, barrier synch, etc.</a:t>
             </a:r>
             <a:endParaRPr lang="en-US" i="1" dirty="0"/>
+          </a:p>
+          <a:p>
+            <a:r>
+              <a:rPr lang="en-US" dirty="0">
+                <a:solidFill>
+                  <a:srgbClr val="00B050"/>
+                </a:solidFill>
+              </a:rPr>
+              <a:t>Choice function</a:t>
+            </a:r>
           </a:p>
           <a:p>
             <a:r>
@@ -5777,7 +5802,7 @@
         </p:nvSpPr>
         <p:spPr>
           <a:xfrm>
-            <a:off x="5742219" y="2622308"/>
+            <a:off x="5742219" y="2461433"/>
             <a:ext cx="2773131" cy="523220"/>
           </a:xfrm>
           <a:prstGeom prst="rect">
@@ -5816,7 +5841,7 @@
         </p:nvSpPr>
         <p:spPr>
           <a:xfrm>
-            <a:off x="5742219" y="4408867"/>
+            <a:off x="5742219" y="4244785"/>
             <a:ext cx="2875274" cy="523220"/>
           </a:xfrm>
           <a:prstGeom prst="rect">
@@ -5855,7 +5880,7 @@
         </p:nvSpPr>
         <p:spPr>
           <a:xfrm>
-            <a:off x="5742219" y="3774494"/>
+            <a:off x="5742219" y="3610412"/>
             <a:ext cx="1933158" cy="523220"/>
           </a:xfrm>
           <a:prstGeom prst="rect">
@@ -5902,7 +5927,7 @@
         </p:nvSpPr>
         <p:spPr>
           <a:xfrm>
-            <a:off x="5742219" y="5785393"/>
+            <a:off x="5742219" y="5621311"/>
             <a:ext cx="2319994" cy="523220"/>
           </a:xfrm>
           <a:prstGeom prst="rect">
@@ -5941,7 +5966,7 @@
         </p:nvSpPr>
         <p:spPr>
           <a:xfrm>
-            <a:off x="5742219" y="3166594"/>
+            <a:off x="5742219" y="3002512"/>
             <a:ext cx="2419124" cy="523220"/>
           </a:xfrm>
           <a:prstGeom prst="rect">
@@ -5963,6 +5988,42 @@
               <a:rPr lang="en-US" sz="2800" dirty="0"/>
               <a:t>x, y;</a:t>
             </a:r>
+          </a:p>
+        </p:txBody>
+      </p:sp>
+      <p:sp>
+        <p:nvSpPr>
+          <p:cNvPr id="9" name="TextBox 8">
+            <a:extLst>
+              <a:ext uri="{FF2B5EF4-FFF2-40B4-BE49-F238E27FC236}">
+                <a16:creationId xmlns:a16="http://schemas.microsoft.com/office/drawing/2014/main" id="{4DBC8290-D9F2-E540-B68E-BA552F8CE750}"/>
+              </a:ext>
+            </a:extLst>
+          </p:cNvPr>
+          <p:cNvSpPr txBox="1"/>
+          <p:nvPr/>
+        </p:nvSpPr>
+        <p:spPr>
+          <a:xfrm>
+            <a:off x="5742219" y="1917371"/>
+            <a:ext cx="2626040" cy="523220"/>
+          </a:xfrm>
+          <a:prstGeom prst="rect">
+            <a:avLst/>
+          </a:prstGeom>
+          <a:noFill/>
+        </p:spPr>
+        <p:txBody>
+          <a:bodyPr wrap="none" rtlCol="0">
+            <a:spAutoFit/>
+          </a:bodyPr>
+          <a:lstStyle/>
+          <a:p>
+            <a:r>
+              <a:rPr lang="en-US" sz="2800" b="1" dirty="0"/>
+              <a:t>choose { 1, 2, 3 }</a:t>
+            </a:r>
+            <a:endParaRPr lang="en-US" sz="2800" dirty="0"/>
           </a:p>
         </p:txBody>
       </p:sp>
@@ -6188,7 +6249,7 @@
           <a:p>
             <a:r>
               <a:rPr lang="en-US" dirty="0"/>
-              <a:t>Harmony found data race in both concurrent queue implementations in a 25-year-old PODC paper with over 1300 citations</a:t>
+              <a:t>Harmony found data races in both concurrent queue implementations in a 25-year-old PODC paper with over 1300 citations</a:t>
             </a:r>
           </a:p>
           <a:p>

--- a/Harmony.pptx
+++ b/Harmony.pptx
@@ -14,9 +14,9 @@
     <p:sldId id="258" r:id="rId5"/>
     <p:sldId id="266" r:id="rId6"/>
     <p:sldId id="259" r:id="rId7"/>
-    <p:sldId id="260" r:id="rId8"/>
-    <p:sldId id="268" r:id="rId9"/>
-    <p:sldId id="269" r:id="rId10"/>
+    <p:sldId id="268" r:id="rId8"/>
+    <p:sldId id="269" r:id="rId9"/>
+    <p:sldId id="260" r:id="rId10"/>
     <p:sldId id="261" r:id="rId11"/>
     <p:sldId id="262" r:id="rId12"/>
     <p:sldId id="264" r:id="rId13"/>
@@ -3976,7 +3976,7 @@
           <a:p>
             <a:r>
               <a:rPr lang="en-US" dirty="0"/>
-              <a:t>Free Text Book (143 pages)</a:t>
+              <a:t>Free Text Book (145 pages)</a:t>
             </a:r>
           </a:p>
         </p:txBody>
@@ -5042,13 +5042,13 @@
           <p:nvPr>
             <p:extLst>
               <p:ext uri="{D42A27DB-BD31-4B8C-83A1-F6EECF244321}">
-                <p14:modId xmlns:p14="http://schemas.microsoft.com/office/powerpoint/2010/main" val="2491300523"/>
+                <p14:modId xmlns:p14="http://schemas.microsoft.com/office/powerpoint/2010/main" val="3833910286"/>
               </p:ext>
             </p:extLst>
           </p:nvPr>
         </p:nvGraphicFramePr>
         <p:xfrm>
-          <a:off x="1024759" y="1554480"/>
+          <a:off x="1024759" y="1325880"/>
           <a:ext cx="7211916" cy="5532120"/>
         </p:xfrm>
         <a:graphic>
@@ -5585,7 +5585,7 @@
           <p:cNvPr id="2" name="Title 1">
             <a:extLst>
               <a:ext uri="{FF2B5EF4-FFF2-40B4-BE49-F238E27FC236}">
-                <a16:creationId xmlns:a16="http://schemas.microsoft.com/office/drawing/2014/main" id="{E86D6CE8-7BAF-6542-A551-AC448AAB3932}"/>
+                <a16:creationId xmlns:a16="http://schemas.microsoft.com/office/drawing/2014/main" id="{67D378C4-E2E3-EB4D-8454-779A04DA64B5}"/>
               </a:ext>
             </a:extLst>
           </p:cNvPr>
@@ -5596,19 +5596,14 @@
             <p:ph type="title"/>
           </p:nvPr>
         </p:nvSpPr>
-        <p:spPr>
-          <a:xfrm>
-            <a:off x="628650" y="141514"/>
-            <a:ext cx="7886700" cy="979715"/>
-          </a:xfrm>
-        </p:spPr>
+        <p:spPr/>
         <p:txBody>
           <a:bodyPr/>
           <a:lstStyle/>
           <a:p>
             <a:r>
               <a:rPr lang="en-US" dirty="0"/>
-              <a:t>Features beyond Python</a:t>
+              <a:t>Correctness checking</a:t>
             </a:r>
           </a:p>
         </p:txBody>
@@ -5618,7 +5613,7 @@
           <p:cNvPr id="3" name="Content Placeholder 2">
             <a:extLst>
               <a:ext uri="{FF2B5EF4-FFF2-40B4-BE49-F238E27FC236}">
-                <a16:creationId xmlns:a16="http://schemas.microsoft.com/office/drawing/2014/main" id="{9682BFF4-DFF8-AC43-BDA8-6BC6A73C7471}"/>
+                <a16:creationId xmlns:a16="http://schemas.microsoft.com/office/drawing/2014/main" id="{58F417F6-57AA-A74F-AD7F-979812074A33}"/>
               </a:ext>
             </a:extLst>
           </p:cNvPr>
@@ -5629,408 +5624,77 @@
             <p:ph idx="1"/>
           </p:nvPr>
         </p:nvSpPr>
-        <p:spPr>
-          <a:xfrm>
-            <a:off x="397421" y="1267075"/>
-            <a:ext cx="8546881" cy="5101068"/>
-          </a:xfrm>
-        </p:spPr>
-        <p:txBody>
-          <a:bodyPr>
-            <a:normAutofit fontScale="77500" lnSpcReduction="20000"/>
-          </a:bodyPr>
-          <a:lstStyle/>
-          <a:p>
-            <a:r>
-              <a:rPr lang="en-US" dirty="0">
-                <a:solidFill>
-                  <a:srgbClr val="00B050"/>
-                </a:solidFill>
-              </a:rPr>
-              <a:t>Modules </a:t>
-            </a:r>
-            <a:r>
-              <a:rPr lang="en-US" i="1" dirty="0">
-                <a:solidFill>
-                  <a:srgbClr val="00B050"/>
-                </a:solidFill>
-              </a:rPr>
-              <a:t>implemented in Harmony</a:t>
-            </a:r>
-            <a:endParaRPr lang="en-US" dirty="0">
-              <a:solidFill>
-                <a:srgbClr val="00B050"/>
-              </a:solidFill>
-            </a:endParaRPr>
+        <p:spPr/>
+        <p:txBody>
+          <a:bodyPr/>
+          <a:lstStyle/>
+          <a:p>
+            <a:r>
+              <a:rPr lang="en-US" dirty="0"/>
+              <a:t>Safety properties</a:t>
+            </a:r>
           </a:p>
           <a:p>
             <a:pPr lvl="1"/>
             <a:r>
               <a:rPr lang="en-US" dirty="0"/>
-              <a:t>spinlocks, condition variables (both Mesa and Hoare), semaphores, synchronized queues, barrier synch, etc.</a:t>
-            </a:r>
-            <a:endParaRPr lang="en-US" i="1" dirty="0"/>
-          </a:p>
-          <a:p>
-            <a:r>
-              <a:rPr lang="en-US" dirty="0">
-                <a:solidFill>
-                  <a:srgbClr val="00B050"/>
-                </a:solidFill>
-              </a:rPr>
-              <a:t>Choice function</a:t>
-            </a:r>
-          </a:p>
-          <a:p>
-            <a:r>
-              <a:rPr lang="en-US" dirty="0">
-                <a:solidFill>
-                  <a:srgbClr val="00B050"/>
-                </a:solidFill>
-              </a:rPr>
-              <a:t>Atomic blocks</a:t>
+              <a:t>invariant violations, uninitialized variables, divide-by-zero, etc.</a:t>
+            </a:r>
+          </a:p>
+          <a:p>
+            <a:r>
+              <a:rPr lang="en-US" dirty="0"/>
+              <a:t>Liveness properties</a:t>
             </a:r>
           </a:p>
           <a:p>
             <a:pPr lvl="1"/>
             <a:r>
               <a:rPr lang="en-US" dirty="0"/>
-              <a:t>build your own atomic primitives</a:t>
-            </a:r>
-          </a:p>
-          <a:p>
-            <a:r>
-              <a:rPr lang="en-US" dirty="0">
-                <a:solidFill>
-                  <a:srgbClr val="00B050"/>
-                </a:solidFill>
-              </a:rPr>
-              <a:t>“Volatile” variables</a:t>
-            </a:r>
+              <a:t>non-termination</a:t>
+            </a:r>
+          </a:p>
+          <a:p>
+            <a:r>
+              <a:rPr lang="en-US" dirty="0" err="1"/>
+              <a:t>Hyperproperties</a:t>
+            </a:r>
+            <a:endParaRPr lang="en-US" dirty="0"/>
           </a:p>
           <a:p>
             <a:pPr lvl="1"/>
             <a:r>
               <a:rPr lang="en-US" dirty="0"/>
-              <a:t>variables with sequential consistency</a:t>
-            </a:r>
-          </a:p>
-          <a:p>
-            <a:r>
-              <a:rPr lang="en-US" dirty="0">
-                <a:solidFill>
-                  <a:srgbClr val="00B050"/>
-                </a:solidFill>
-              </a:rPr>
-              <a:t>Continuations</a:t>
+              <a:t>Absence of Busy Waiting</a:t>
             </a:r>
           </a:p>
           <a:p>
             <a:pPr lvl="1"/>
             <a:r>
               <a:rPr lang="en-US" dirty="0"/>
-              <a:t>you can implement fork() yourself</a:t>
-            </a:r>
-          </a:p>
-          <a:p>
-            <a:r>
-              <a:rPr lang="en-US" dirty="0">
-                <a:solidFill>
-                  <a:srgbClr val="00B050"/>
-                </a:solidFill>
-              </a:rPr>
-              <a:t>Invariant statements</a:t>
+              <a:t>Data Race Freedom</a:t>
             </a:r>
           </a:p>
           <a:p>
             <a:pPr lvl="1"/>
             <a:r>
               <a:rPr lang="en-US" dirty="0"/>
-              <a:t>predicates checked in every state</a:t>
-            </a:r>
-          </a:p>
-          <a:p>
-            <a:r>
-              <a:rPr lang="en-US" dirty="0">
-                <a:solidFill>
-                  <a:srgbClr val="00B050"/>
-                </a:solidFill>
-              </a:rPr>
-              <a:t>Liveness checking</a:t>
-            </a:r>
-          </a:p>
-          <a:p>
-            <a:pPr lvl="1"/>
+              <a:t>Linearizability</a:t>
+            </a:r>
+          </a:p>
+          <a:p>
+            <a:pPr lvl="2"/>
             <a:r>
               <a:rPr lang="en-US" dirty="0"/>
-              <a:t>without temporal logic formalism</a:t>
-            </a:r>
-          </a:p>
-          <a:p>
-            <a:r>
-              <a:rPr lang="en-US" dirty="0">
-                <a:solidFill>
-                  <a:srgbClr val="00B050"/>
-                </a:solidFill>
-              </a:rPr>
-              <a:t>Interrupts</a:t>
-            </a:r>
-          </a:p>
-          <a:p>
-            <a:pPr lvl="1"/>
-            <a:r>
-              <a:rPr lang="en-US" dirty="0"/>
-              <a:t>handling interrupts is hard too</a:t>
-            </a:r>
-          </a:p>
-          <a:p>
-            <a:endParaRPr lang="en-US" dirty="0"/>
-          </a:p>
-        </p:txBody>
-      </p:sp>
-      <p:sp>
-        <p:nvSpPr>
-          <p:cNvPr id="4" name="TextBox 3">
-            <a:extLst>
-              <a:ext uri="{FF2B5EF4-FFF2-40B4-BE49-F238E27FC236}">
-                <a16:creationId xmlns:a16="http://schemas.microsoft.com/office/drawing/2014/main" id="{609CC957-BF7F-F84C-8C7F-A7468510676B}"/>
-              </a:ext>
-            </a:extLst>
-          </p:cNvPr>
-          <p:cNvSpPr txBox="1"/>
-          <p:nvPr/>
-        </p:nvSpPr>
-        <p:spPr>
-          <a:xfrm>
-            <a:off x="5742219" y="2461433"/>
-            <a:ext cx="2773131" cy="523220"/>
-          </a:xfrm>
-          <a:prstGeom prst="rect">
-            <a:avLst/>
-          </a:prstGeom>
-          <a:noFill/>
-        </p:spPr>
-        <p:txBody>
-          <a:bodyPr wrap="none" rtlCol="0">
-            <a:spAutoFit/>
-          </a:bodyPr>
-          <a:lstStyle/>
-          <a:p>
-            <a:r>
-              <a:rPr lang="en-US" sz="2800" b="1" dirty="0"/>
-              <a:t>atomic</a:t>
-            </a:r>
-            <a:r>
-              <a:rPr lang="en-US" sz="2800" dirty="0"/>
-              <a:t>: x, y = y, x;</a:t>
-            </a:r>
-          </a:p>
-        </p:txBody>
-      </p:sp>
-      <p:sp>
-        <p:nvSpPr>
-          <p:cNvPr id="5" name="TextBox 4">
-            <a:extLst>
-              <a:ext uri="{FF2B5EF4-FFF2-40B4-BE49-F238E27FC236}">
-                <a16:creationId xmlns:a16="http://schemas.microsoft.com/office/drawing/2014/main" id="{71E36FA8-9D89-6A4F-BCA8-CE3A9BF16E3D}"/>
-              </a:ext>
-            </a:extLst>
-          </p:cNvPr>
-          <p:cNvSpPr txBox="1"/>
-          <p:nvPr/>
-        </p:nvSpPr>
-        <p:spPr>
-          <a:xfrm>
-            <a:off x="5742219" y="4244785"/>
-            <a:ext cx="2875274" cy="523220"/>
-          </a:xfrm>
-          <a:prstGeom prst="rect">
-            <a:avLst/>
-          </a:prstGeom>
-          <a:noFill/>
-        </p:spPr>
-        <p:txBody>
-          <a:bodyPr wrap="none" rtlCol="0">
-            <a:spAutoFit/>
-          </a:bodyPr>
-          <a:lstStyle/>
-          <a:p>
-            <a:r>
-              <a:rPr lang="en-US" sz="2800" b="1" dirty="0"/>
-              <a:t>invariant </a:t>
-            </a:r>
-            <a:r>
-              <a:rPr lang="en-US" sz="2800" dirty="0"/>
-              <a:t>1 &lt; x &lt; 5;</a:t>
-            </a:r>
-          </a:p>
-        </p:txBody>
-      </p:sp>
-      <p:sp>
-        <p:nvSpPr>
-          <p:cNvPr id="6" name="TextBox 5">
-            <a:extLst>
-              <a:ext uri="{FF2B5EF4-FFF2-40B4-BE49-F238E27FC236}">
-                <a16:creationId xmlns:a16="http://schemas.microsoft.com/office/drawing/2014/main" id="{8075088E-BE4E-5940-9C77-EE8E1D935449}"/>
-              </a:ext>
-            </a:extLst>
-          </p:cNvPr>
-          <p:cNvSpPr txBox="1"/>
-          <p:nvPr/>
-        </p:nvSpPr>
-        <p:spPr>
-          <a:xfrm>
-            <a:off x="5742219" y="3610412"/>
-            <a:ext cx="1933158" cy="523220"/>
-          </a:xfrm>
-          <a:prstGeom prst="rect">
-            <a:avLst/>
-          </a:prstGeom>
-          <a:noFill/>
-        </p:spPr>
-        <p:txBody>
-          <a:bodyPr wrap="none" rtlCol="0">
-            <a:spAutoFit/>
-          </a:bodyPr>
-          <a:lstStyle/>
-          <a:p>
-            <a:r>
-              <a:rPr lang="en-US" sz="2800" b="1" dirty="0"/>
-              <a:t>stop </a:t>
-            </a:r>
-            <a:r>
-              <a:rPr lang="en-US" sz="2800" dirty="0"/>
-              <a:t>x; </a:t>
-            </a:r>
-            <a:r>
-              <a:rPr lang="en-US" sz="2800" b="1" dirty="0"/>
-              <a:t>go</a:t>
-            </a:r>
-            <a:r>
-              <a:rPr lang="en-US" sz="2800" dirty="0"/>
-              <a:t> x;</a:t>
-            </a:r>
-          </a:p>
-        </p:txBody>
-      </p:sp>
-      <p:sp>
-        <p:nvSpPr>
-          <p:cNvPr id="7" name="TextBox 6">
-            <a:extLst>
-              <a:ext uri="{FF2B5EF4-FFF2-40B4-BE49-F238E27FC236}">
-                <a16:creationId xmlns:a16="http://schemas.microsoft.com/office/drawing/2014/main" id="{97DF9FE2-C22E-9F4B-BD43-994897A296C1}"/>
-              </a:ext>
-            </a:extLst>
-          </p:cNvPr>
-          <p:cNvSpPr txBox="1"/>
-          <p:nvPr/>
-        </p:nvSpPr>
-        <p:spPr>
-          <a:xfrm>
-            <a:off x="5742219" y="5621311"/>
-            <a:ext cx="2319994" cy="523220"/>
-          </a:xfrm>
-          <a:prstGeom prst="rect">
-            <a:avLst/>
-          </a:prstGeom>
-          <a:noFill/>
-        </p:spPr>
-        <p:txBody>
-          <a:bodyPr wrap="none" rtlCol="0">
-            <a:spAutoFit/>
-          </a:bodyPr>
-          <a:lstStyle/>
-          <a:p>
-            <a:r>
-              <a:rPr lang="en-US" sz="2800" b="1" dirty="0"/>
-              <a:t>trap </a:t>
-            </a:r>
-            <a:r>
-              <a:rPr lang="en-US" sz="2800" dirty="0"/>
-              <a:t>handler();</a:t>
-            </a:r>
-          </a:p>
-        </p:txBody>
-      </p:sp>
-      <p:sp>
-        <p:nvSpPr>
-          <p:cNvPr id="8" name="TextBox 7">
-            <a:extLst>
-              <a:ext uri="{FF2B5EF4-FFF2-40B4-BE49-F238E27FC236}">
-                <a16:creationId xmlns:a16="http://schemas.microsoft.com/office/drawing/2014/main" id="{28C798B0-0ACB-614B-82CB-EF6226708A0F}"/>
-              </a:ext>
-            </a:extLst>
-          </p:cNvPr>
-          <p:cNvSpPr txBox="1"/>
-          <p:nvPr/>
-        </p:nvSpPr>
-        <p:spPr>
-          <a:xfrm>
-            <a:off x="5742219" y="3002512"/>
-            <a:ext cx="2419124" cy="523220"/>
-          </a:xfrm>
-          <a:prstGeom prst="rect">
-            <a:avLst/>
-          </a:prstGeom>
-          <a:noFill/>
-        </p:spPr>
-        <p:txBody>
-          <a:bodyPr wrap="none" rtlCol="0">
-            <a:spAutoFit/>
-          </a:bodyPr>
-          <a:lstStyle/>
-          <a:p>
-            <a:r>
-              <a:rPr lang="en-US" sz="2800" b="1" dirty="0"/>
-              <a:t>sequential </a:t>
-            </a:r>
-            <a:r>
-              <a:rPr lang="en-US" sz="2800" dirty="0"/>
-              <a:t>x, y;</a:t>
-            </a:r>
-          </a:p>
-        </p:txBody>
-      </p:sp>
-      <p:sp>
-        <p:nvSpPr>
-          <p:cNvPr id="9" name="TextBox 8">
-            <a:extLst>
-              <a:ext uri="{FF2B5EF4-FFF2-40B4-BE49-F238E27FC236}">
-                <a16:creationId xmlns:a16="http://schemas.microsoft.com/office/drawing/2014/main" id="{4DBC8290-D9F2-E540-B68E-BA552F8CE750}"/>
-              </a:ext>
-            </a:extLst>
-          </p:cNvPr>
-          <p:cNvSpPr txBox="1"/>
-          <p:nvPr/>
-        </p:nvSpPr>
-        <p:spPr>
-          <a:xfrm>
-            <a:off x="5742219" y="1917371"/>
-            <a:ext cx="2626040" cy="523220"/>
-          </a:xfrm>
-          <a:prstGeom prst="rect">
-            <a:avLst/>
-          </a:prstGeom>
-          <a:noFill/>
-        </p:spPr>
-        <p:txBody>
-          <a:bodyPr wrap="none" rtlCol="0">
-            <a:spAutoFit/>
-          </a:bodyPr>
-          <a:lstStyle/>
-          <a:p>
-            <a:r>
-              <a:rPr lang="en-US" sz="2800" b="1" dirty="0"/>
-              <a:t>choose { 1, 2, 3 }</a:t>
-            </a:r>
-            <a:endParaRPr lang="en-US" sz="2800" dirty="0"/>
+              <a:t>(requires annotating linearization points)</a:t>
+            </a:r>
           </a:p>
         </p:txBody>
       </p:sp>
     </p:spTree>
     <p:extLst>
       <p:ext uri="{BB962C8B-B14F-4D97-AF65-F5344CB8AC3E}">
-        <p14:creationId xmlns:p14="http://schemas.microsoft.com/office/powerpoint/2010/main" val="422056090"/>
+        <p14:creationId xmlns:p14="http://schemas.microsoft.com/office/powerpoint/2010/main" val="3953587934"/>
       </p:ext>
     </p:extLst>
   </p:cSld>
@@ -6062,7 +5726,7 @@
           <p:cNvPr id="2" name="Title 1">
             <a:extLst>
               <a:ext uri="{FF2B5EF4-FFF2-40B4-BE49-F238E27FC236}">
-                <a16:creationId xmlns:a16="http://schemas.microsoft.com/office/drawing/2014/main" id="{67D378C4-E2E3-EB4D-8454-779A04DA64B5}"/>
+                <a16:creationId xmlns:a16="http://schemas.microsoft.com/office/drawing/2014/main" id="{F5BBB318-A29E-C64E-86EC-96742B74707A}"/>
               </a:ext>
             </a:extLst>
           </p:cNvPr>
@@ -6080,7 +5744,7 @@
           <a:p>
             <a:r>
               <a:rPr lang="en-US" dirty="0"/>
-              <a:t>Correctness checking</a:t>
+              <a:t>Success story</a:t>
             </a:r>
           </a:p>
         </p:txBody>
@@ -6090,7 +5754,7 @@
           <p:cNvPr id="3" name="Content Placeholder 2">
             <a:extLst>
               <a:ext uri="{FF2B5EF4-FFF2-40B4-BE49-F238E27FC236}">
-                <a16:creationId xmlns:a16="http://schemas.microsoft.com/office/drawing/2014/main" id="{58F417F6-57AA-A74F-AD7F-979812074A33}"/>
+                <a16:creationId xmlns:a16="http://schemas.microsoft.com/office/drawing/2014/main" id="{30462162-CA8C-2E43-BF34-62407CF7A887}"/>
               </a:ext>
             </a:extLst>
           </p:cNvPr>
@@ -6108,62 +5772,14 @@
           <a:p>
             <a:r>
               <a:rPr lang="en-US" dirty="0"/>
-              <a:t>Safety properties</a:t>
+              <a:t>Harmony found data races in both concurrent queue implementations in a 25-year-old PODC paper with over 1300 citations</a:t>
             </a:r>
           </a:p>
           <a:p>
             <a:pPr lvl="1"/>
             <a:r>
               <a:rPr lang="en-US" dirty="0"/>
-              <a:t>invariant violations, uninitialized variables, divide-by-zero, etc.</a:t>
-            </a:r>
-          </a:p>
-          <a:p>
-            <a:r>
-              <a:rPr lang="en-US" dirty="0"/>
-              <a:t>Liveness properties</a:t>
-            </a:r>
-          </a:p>
-          <a:p>
-            <a:pPr lvl="1"/>
-            <a:r>
-              <a:rPr lang="en-US" dirty="0"/>
-              <a:t>non-termination</a:t>
-            </a:r>
-          </a:p>
-          <a:p>
-            <a:r>
-              <a:rPr lang="en-US" dirty="0" err="1"/>
-              <a:t>Hyperproperties</a:t>
-            </a:r>
-            <a:endParaRPr lang="en-US" dirty="0"/>
-          </a:p>
-          <a:p>
-            <a:pPr lvl="1"/>
-            <a:r>
-              <a:rPr lang="en-US" dirty="0"/>
-              <a:t>Absence of Busy Waiting</a:t>
-            </a:r>
-          </a:p>
-          <a:p>
-            <a:pPr lvl="1"/>
-            <a:r>
-              <a:rPr lang="en-US" dirty="0"/>
-              <a:t>Data Race Freedom</a:t>
-            </a:r>
-          </a:p>
-          <a:p>
-            <a:pPr lvl="1"/>
-            <a:r>
-              <a:rPr lang="en-US" dirty="0"/>
-              <a:t>Linearizability</a:t>
-            </a:r>
-          </a:p>
-          <a:p>
-            <a:pPr lvl="2"/>
-            <a:r>
-              <a:rPr lang="en-US" dirty="0"/>
-              <a:t>(requires annotating linearization points)</a:t>
+              <a:t>tacitly assume sequentially consistent memory</a:t>
             </a:r>
           </a:p>
         </p:txBody>
@@ -6171,7 +5787,7 @@
     </p:spTree>
     <p:extLst>
       <p:ext uri="{BB962C8B-B14F-4D97-AF65-F5344CB8AC3E}">
-        <p14:creationId xmlns:p14="http://schemas.microsoft.com/office/powerpoint/2010/main" val="3953587934"/>
+        <p14:creationId xmlns:p14="http://schemas.microsoft.com/office/powerpoint/2010/main" val="2575149035"/>
       </p:ext>
     </p:extLst>
   </p:cSld>
@@ -6203,7 +5819,7 @@
           <p:cNvPr id="2" name="Title 1">
             <a:extLst>
               <a:ext uri="{FF2B5EF4-FFF2-40B4-BE49-F238E27FC236}">
-                <a16:creationId xmlns:a16="http://schemas.microsoft.com/office/drawing/2014/main" id="{F5BBB318-A29E-C64E-86EC-96742B74707A}"/>
+                <a16:creationId xmlns:a16="http://schemas.microsoft.com/office/drawing/2014/main" id="{E86D6CE8-7BAF-6542-A551-AC448AAB3932}"/>
               </a:ext>
             </a:extLst>
           </p:cNvPr>
@@ -6214,14 +5830,19 @@
             <p:ph type="title"/>
           </p:nvPr>
         </p:nvSpPr>
-        <p:spPr/>
+        <p:spPr>
+          <a:xfrm>
+            <a:off x="628650" y="141514"/>
+            <a:ext cx="7886700" cy="979715"/>
+          </a:xfrm>
+        </p:spPr>
         <p:txBody>
           <a:bodyPr/>
           <a:lstStyle/>
           <a:p>
             <a:r>
               <a:rPr lang="en-US" dirty="0"/>
-              <a:t>Success story</a:t>
+              <a:t>Features beyond Python</a:t>
             </a:r>
           </a:p>
         </p:txBody>
@@ -6231,7 +5852,7 @@
           <p:cNvPr id="3" name="Content Placeholder 2">
             <a:extLst>
               <a:ext uri="{FF2B5EF4-FFF2-40B4-BE49-F238E27FC236}">
-                <a16:creationId xmlns:a16="http://schemas.microsoft.com/office/drawing/2014/main" id="{30462162-CA8C-2E43-BF34-62407CF7A887}"/>
+                <a16:creationId xmlns:a16="http://schemas.microsoft.com/office/drawing/2014/main" id="{9682BFF4-DFF8-AC43-BDA8-6BC6A73C7471}"/>
               </a:ext>
             </a:extLst>
           </p:cNvPr>
@@ -6242,29 +5863,408 @@
             <p:ph idx="1"/>
           </p:nvPr>
         </p:nvSpPr>
-        <p:spPr/>
-        <p:txBody>
-          <a:bodyPr/>
-          <a:lstStyle/>
-          <a:p>
+        <p:spPr>
+          <a:xfrm>
+            <a:off x="397421" y="1267075"/>
+            <a:ext cx="8546881" cy="5101068"/>
+          </a:xfrm>
+        </p:spPr>
+        <p:txBody>
+          <a:bodyPr>
+            <a:normAutofit fontScale="77500" lnSpcReduction="20000"/>
+          </a:bodyPr>
+          <a:lstStyle/>
+          <a:p>
+            <a:r>
+              <a:rPr lang="en-US" dirty="0">
+                <a:solidFill>
+                  <a:srgbClr val="00B050"/>
+                </a:solidFill>
+              </a:rPr>
+              <a:t>Modules </a:t>
+            </a:r>
+            <a:r>
+              <a:rPr lang="en-US" i="1" dirty="0">
+                <a:solidFill>
+                  <a:srgbClr val="00B050"/>
+                </a:solidFill>
+              </a:rPr>
+              <a:t>implemented in Harmony</a:t>
+            </a:r>
+            <a:endParaRPr lang="en-US" dirty="0">
+              <a:solidFill>
+                <a:srgbClr val="00B050"/>
+              </a:solidFill>
+            </a:endParaRPr>
+          </a:p>
+          <a:p>
+            <a:pPr lvl="1"/>
             <a:r>
               <a:rPr lang="en-US" dirty="0"/>
-              <a:t>Harmony found data races in both concurrent queue implementations in a 25-year-old PODC paper with over 1300 citations</a:t>
+              <a:t>spinlocks, condition variables (both Mesa and Hoare), semaphores, synchronized queues, barrier synch, etc.</a:t>
+            </a:r>
+            <a:endParaRPr lang="en-US" i="1" dirty="0"/>
+          </a:p>
+          <a:p>
+            <a:r>
+              <a:rPr lang="en-US" dirty="0">
+                <a:solidFill>
+                  <a:srgbClr val="00B050"/>
+                </a:solidFill>
+              </a:rPr>
+              <a:t>Choice function</a:t>
+            </a:r>
+          </a:p>
+          <a:p>
+            <a:r>
+              <a:rPr lang="en-US" dirty="0">
+                <a:solidFill>
+                  <a:srgbClr val="00B050"/>
+                </a:solidFill>
+              </a:rPr>
+              <a:t>Atomic blocks</a:t>
             </a:r>
           </a:p>
           <a:p>
             <a:pPr lvl="1"/>
             <a:r>
               <a:rPr lang="en-US" dirty="0"/>
-              <a:t>tacitly assume sequentially consistent memory</a:t>
-            </a:r>
+              <a:t>build your own atomic primitives</a:t>
+            </a:r>
+          </a:p>
+          <a:p>
+            <a:r>
+              <a:rPr lang="en-US" dirty="0">
+                <a:solidFill>
+                  <a:srgbClr val="00B050"/>
+                </a:solidFill>
+              </a:rPr>
+              <a:t>“Volatile” variables</a:t>
+            </a:r>
+          </a:p>
+          <a:p>
+            <a:pPr lvl="1"/>
+            <a:r>
+              <a:rPr lang="en-US" dirty="0"/>
+              <a:t>variables with sequential consistency</a:t>
+            </a:r>
+          </a:p>
+          <a:p>
+            <a:r>
+              <a:rPr lang="en-US" dirty="0">
+                <a:solidFill>
+                  <a:srgbClr val="00B050"/>
+                </a:solidFill>
+              </a:rPr>
+              <a:t>Continuations</a:t>
+            </a:r>
+          </a:p>
+          <a:p>
+            <a:pPr lvl="1"/>
+            <a:r>
+              <a:rPr lang="en-US" dirty="0"/>
+              <a:t>you can implement fork() yourself</a:t>
+            </a:r>
+          </a:p>
+          <a:p>
+            <a:r>
+              <a:rPr lang="en-US" dirty="0">
+                <a:solidFill>
+                  <a:srgbClr val="00B050"/>
+                </a:solidFill>
+              </a:rPr>
+              <a:t>Invariant statements</a:t>
+            </a:r>
+          </a:p>
+          <a:p>
+            <a:pPr lvl="1"/>
+            <a:r>
+              <a:rPr lang="en-US" dirty="0"/>
+              <a:t>predicates checked in every state</a:t>
+            </a:r>
+          </a:p>
+          <a:p>
+            <a:r>
+              <a:rPr lang="en-US" dirty="0">
+                <a:solidFill>
+                  <a:srgbClr val="00B050"/>
+                </a:solidFill>
+              </a:rPr>
+              <a:t>Liveness checking</a:t>
+            </a:r>
+          </a:p>
+          <a:p>
+            <a:pPr lvl="1"/>
+            <a:r>
+              <a:rPr lang="en-US" dirty="0"/>
+              <a:t>without temporal logic formalism</a:t>
+            </a:r>
+          </a:p>
+          <a:p>
+            <a:r>
+              <a:rPr lang="en-US" dirty="0">
+                <a:solidFill>
+                  <a:srgbClr val="00B050"/>
+                </a:solidFill>
+              </a:rPr>
+              <a:t>Interrupts</a:t>
+            </a:r>
+          </a:p>
+          <a:p>
+            <a:pPr lvl="1"/>
+            <a:r>
+              <a:rPr lang="en-US" dirty="0"/>
+              <a:t>handling interrupts is hard too</a:t>
+            </a:r>
+          </a:p>
+          <a:p>
+            <a:endParaRPr lang="en-US" dirty="0"/>
+          </a:p>
+        </p:txBody>
+      </p:sp>
+      <p:sp>
+        <p:nvSpPr>
+          <p:cNvPr id="4" name="TextBox 3">
+            <a:extLst>
+              <a:ext uri="{FF2B5EF4-FFF2-40B4-BE49-F238E27FC236}">
+                <a16:creationId xmlns:a16="http://schemas.microsoft.com/office/drawing/2014/main" id="{609CC957-BF7F-F84C-8C7F-A7468510676B}"/>
+              </a:ext>
+            </a:extLst>
+          </p:cNvPr>
+          <p:cNvSpPr txBox="1"/>
+          <p:nvPr/>
+        </p:nvSpPr>
+        <p:spPr>
+          <a:xfrm>
+            <a:off x="5742219" y="2461433"/>
+            <a:ext cx="2773131" cy="523220"/>
+          </a:xfrm>
+          <a:prstGeom prst="rect">
+            <a:avLst/>
+          </a:prstGeom>
+          <a:noFill/>
+        </p:spPr>
+        <p:txBody>
+          <a:bodyPr wrap="none" rtlCol="0">
+            <a:spAutoFit/>
+          </a:bodyPr>
+          <a:lstStyle/>
+          <a:p>
+            <a:r>
+              <a:rPr lang="en-US" sz="2800" b="1" dirty="0"/>
+              <a:t>atomic</a:t>
+            </a:r>
+            <a:r>
+              <a:rPr lang="en-US" sz="2800" dirty="0"/>
+              <a:t>: x, y = y, x;</a:t>
+            </a:r>
+          </a:p>
+        </p:txBody>
+      </p:sp>
+      <p:sp>
+        <p:nvSpPr>
+          <p:cNvPr id="5" name="TextBox 4">
+            <a:extLst>
+              <a:ext uri="{FF2B5EF4-FFF2-40B4-BE49-F238E27FC236}">
+                <a16:creationId xmlns:a16="http://schemas.microsoft.com/office/drawing/2014/main" id="{71E36FA8-9D89-6A4F-BCA8-CE3A9BF16E3D}"/>
+              </a:ext>
+            </a:extLst>
+          </p:cNvPr>
+          <p:cNvSpPr txBox="1"/>
+          <p:nvPr/>
+        </p:nvSpPr>
+        <p:spPr>
+          <a:xfrm>
+            <a:off x="5742219" y="4244785"/>
+            <a:ext cx="2875274" cy="523220"/>
+          </a:xfrm>
+          <a:prstGeom prst="rect">
+            <a:avLst/>
+          </a:prstGeom>
+          <a:noFill/>
+        </p:spPr>
+        <p:txBody>
+          <a:bodyPr wrap="none" rtlCol="0">
+            <a:spAutoFit/>
+          </a:bodyPr>
+          <a:lstStyle/>
+          <a:p>
+            <a:r>
+              <a:rPr lang="en-US" sz="2800" b="1" dirty="0"/>
+              <a:t>invariant </a:t>
+            </a:r>
+            <a:r>
+              <a:rPr lang="en-US" sz="2800" dirty="0"/>
+              <a:t>1 &lt; x &lt; 5;</a:t>
+            </a:r>
+          </a:p>
+        </p:txBody>
+      </p:sp>
+      <p:sp>
+        <p:nvSpPr>
+          <p:cNvPr id="6" name="TextBox 5">
+            <a:extLst>
+              <a:ext uri="{FF2B5EF4-FFF2-40B4-BE49-F238E27FC236}">
+                <a16:creationId xmlns:a16="http://schemas.microsoft.com/office/drawing/2014/main" id="{8075088E-BE4E-5940-9C77-EE8E1D935449}"/>
+              </a:ext>
+            </a:extLst>
+          </p:cNvPr>
+          <p:cNvSpPr txBox="1"/>
+          <p:nvPr/>
+        </p:nvSpPr>
+        <p:spPr>
+          <a:xfrm>
+            <a:off x="5742219" y="3610412"/>
+            <a:ext cx="1933158" cy="523220"/>
+          </a:xfrm>
+          <a:prstGeom prst="rect">
+            <a:avLst/>
+          </a:prstGeom>
+          <a:noFill/>
+        </p:spPr>
+        <p:txBody>
+          <a:bodyPr wrap="none" rtlCol="0">
+            <a:spAutoFit/>
+          </a:bodyPr>
+          <a:lstStyle/>
+          <a:p>
+            <a:r>
+              <a:rPr lang="en-US" sz="2800" b="1" dirty="0"/>
+              <a:t>stop </a:t>
+            </a:r>
+            <a:r>
+              <a:rPr lang="en-US" sz="2800" dirty="0"/>
+              <a:t>x; </a:t>
+            </a:r>
+            <a:r>
+              <a:rPr lang="en-US" sz="2800" b="1" dirty="0"/>
+              <a:t>go</a:t>
+            </a:r>
+            <a:r>
+              <a:rPr lang="en-US" sz="2800" dirty="0"/>
+              <a:t> x;</a:t>
+            </a:r>
+          </a:p>
+        </p:txBody>
+      </p:sp>
+      <p:sp>
+        <p:nvSpPr>
+          <p:cNvPr id="7" name="TextBox 6">
+            <a:extLst>
+              <a:ext uri="{FF2B5EF4-FFF2-40B4-BE49-F238E27FC236}">
+                <a16:creationId xmlns:a16="http://schemas.microsoft.com/office/drawing/2014/main" id="{97DF9FE2-C22E-9F4B-BD43-994897A296C1}"/>
+              </a:ext>
+            </a:extLst>
+          </p:cNvPr>
+          <p:cNvSpPr txBox="1"/>
+          <p:nvPr/>
+        </p:nvSpPr>
+        <p:spPr>
+          <a:xfrm>
+            <a:off x="5742219" y="5621311"/>
+            <a:ext cx="2319994" cy="523220"/>
+          </a:xfrm>
+          <a:prstGeom prst="rect">
+            <a:avLst/>
+          </a:prstGeom>
+          <a:noFill/>
+        </p:spPr>
+        <p:txBody>
+          <a:bodyPr wrap="none" rtlCol="0">
+            <a:spAutoFit/>
+          </a:bodyPr>
+          <a:lstStyle/>
+          <a:p>
+            <a:r>
+              <a:rPr lang="en-US" sz="2800" b="1" dirty="0"/>
+              <a:t>trap </a:t>
+            </a:r>
+            <a:r>
+              <a:rPr lang="en-US" sz="2800" dirty="0"/>
+              <a:t>handler();</a:t>
+            </a:r>
+          </a:p>
+        </p:txBody>
+      </p:sp>
+      <p:sp>
+        <p:nvSpPr>
+          <p:cNvPr id="8" name="TextBox 7">
+            <a:extLst>
+              <a:ext uri="{FF2B5EF4-FFF2-40B4-BE49-F238E27FC236}">
+                <a16:creationId xmlns:a16="http://schemas.microsoft.com/office/drawing/2014/main" id="{28C798B0-0ACB-614B-82CB-EF6226708A0F}"/>
+              </a:ext>
+            </a:extLst>
+          </p:cNvPr>
+          <p:cNvSpPr txBox="1"/>
+          <p:nvPr/>
+        </p:nvSpPr>
+        <p:spPr>
+          <a:xfrm>
+            <a:off x="5742219" y="3002512"/>
+            <a:ext cx="2419124" cy="523220"/>
+          </a:xfrm>
+          <a:prstGeom prst="rect">
+            <a:avLst/>
+          </a:prstGeom>
+          <a:noFill/>
+        </p:spPr>
+        <p:txBody>
+          <a:bodyPr wrap="none" rtlCol="0">
+            <a:spAutoFit/>
+          </a:bodyPr>
+          <a:lstStyle/>
+          <a:p>
+            <a:r>
+              <a:rPr lang="en-US" sz="2800" b="1" dirty="0"/>
+              <a:t>sequential </a:t>
+            </a:r>
+            <a:r>
+              <a:rPr lang="en-US" sz="2800" dirty="0"/>
+              <a:t>x, y;</a:t>
+            </a:r>
+          </a:p>
+        </p:txBody>
+      </p:sp>
+      <p:sp>
+        <p:nvSpPr>
+          <p:cNvPr id="9" name="TextBox 8">
+            <a:extLst>
+              <a:ext uri="{FF2B5EF4-FFF2-40B4-BE49-F238E27FC236}">
+                <a16:creationId xmlns:a16="http://schemas.microsoft.com/office/drawing/2014/main" id="{4DBC8290-D9F2-E540-B68E-BA552F8CE750}"/>
+              </a:ext>
+            </a:extLst>
+          </p:cNvPr>
+          <p:cNvSpPr txBox="1"/>
+          <p:nvPr/>
+        </p:nvSpPr>
+        <p:spPr>
+          <a:xfrm>
+            <a:off x="5742219" y="1917371"/>
+            <a:ext cx="2626040" cy="523220"/>
+          </a:xfrm>
+          <a:prstGeom prst="rect">
+            <a:avLst/>
+          </a:prstGeom>
+          <a:noFill/>
+        </p:spPr>
+        <p:txBody>
+          <a:bodyPr wrap="none" rtlCol="0">
+            <a:spAutoFit/>
+          </a:bodyPr>
+          <a:lstStyle/>
+          <a:p>
+            <a:r>
+              <a:rPr lang="en-US" sz="2800" b="1" dirty="0"/>
+              <a:t>choose { 1, 2, 3 }</a:t>
+            </a:r>
+            <a:endParaRPr lang="en-US" sz="2800" dirty="0"/>
           </a:p>
         </p:txBody>
       </p:sp>
     </p:spTree>
     <p:extLst>
       <p:ext uri="{BB962C8B-B14F-4D97-AF65-F5344CB8AC3E}">
-        <p14:creationId xmlns:p14="http://schemas.microsoft.com/office/powerpoint/2010/main" val="2575149035"/>
+        <p14:creationId xmlns:p14="http://schemas.microsoft.com/office/powerpoint/2010/main" val="422056090"/>
       </p:ext>
     </p:extLst>
   </p:cSld>

--- a/Harmony.pptx
+++ b/Harmony.pptx
@@ -209,7 +209,7 @@
           <a:p>
             <a:fld id="{DB050A5F-06C5-574D-A3AD-9B8109EC25B6}" type="datetimeFigureOut">
               <a:rPr lang="en-US" smtClean="0"/>
-              <a:t>4/7/21</a:t>
+              <a:t>4/12/21</a:t>
             </a:fld>
             <a:endParaRPr lang="en-US"/>
           </a:p>
@@ -859,7 +859,7 @@
           <a:p>
             <a:fld id="{E2688AD6-A3BD-2D4B-9B4D-77B376F56745}" type="datetimeFigureOut">
               <a:rPr lang="en-US" smtClean="0"/>
-              <a:t>4/7/21</a:t>
+              <a:t>4/12/21</a:t>
             </a:fld>
             <a:endParaRPr lang="en-US"/>
           </a:p>
@@ -1029,7 +1029,7 @@
           <a:p>
             <a:fld id="{E2688AD6-A3BD-2D4B-9B4D-77B376F56745}" type="datetimeFigureOut">
               <a:rPr lang="en-US" smtClean="0"/>
-              <a:t>4/7/21</a:t>
+              <a:t>4/12/21</a:t>
             </a:fld>
             <a:endParaRPr lang="en-US"/>
           </a:p>
@@ -1209,7 +1209,7 @@
           <a:p>
             <a:fld id="{E2688AD6-A3BD-2D4B-9B4D-77B376F56745}" type="datetimeFigureOut">
               <a:rPr lang="en-US" smtClean="0"/>
-              <a:t>4/7/21</a:t>
+              <a:t>4/12/21</a:t>
             </a:fld>
             <a:endParaRPr lang="en-US"/>
           </a:p>
@@ -1385,7 +1385,7 @@
           <a:p>
             <a:fld id="{E2688AD6-A3BD-2D4B-9B4D-77B376F56745}" type="datetimeFigureOut">
               <a:rPr lang="en-US" smtClean="0"/>
-              <a:t>4/7/21</a:t>
+              <a:t>4/12/21</a:t>
             </a:fld>
             <a:endParaRPr lang="en-US"/>
           </a:p>
@@ -1629,7 +1629,7 @@
           <a:p>
             <a:fld id="{E2688AD6-A3BD-2D4B-9B4D-77B376F56745}" type="datetimeFigureOut">
               <a:rPr lang="en-US" smtClean="0"/>
-              <a:t>4/7/21</a:t>
+              <a:t>4/12/21</a:t>
             </a:fld>
             <a:endParaRPr lang="en-US"/>
           </a:p>
@@ -1861,7 +1861,7 @@
           <a:p>
             <a:fld id="{E2688AD6-A3BD-2D4B-9B4D-77B376F56745}" type="datetimeFigureOut">
               <a:rPr lang="en-US" smtClean="0"/>
-              <a:t>4/7/21</a:t>
+              <a:t>4/12/21</a:t>
             </a:fld>
             <a:endParaRPr lang="en-US"/>
           </a:p>
@@ -2228,7 +2228,7 @@
           <a:p>
             <a:fld id="{E2688AD6-A3BD-2D4B-9B4D-77B376F56745}" type="datetimeFigureOut">
               <a:rPr lang="en-US" smtClean="0"/>
-              <a:t>4/7/21</a:t>
+              <a:t>4/12/21</a:t>
             </a:fld>
             <a:endParaRPr lang="en-US"/>
           </a:p>
@@ -2346,7 +2346,7 @@
           <a:p>
             <a:fld id="{E2688AD6-A3BD-2D4B-9B4D-77B376F56745}" type="datetimeFigureOut">
               <a:rPr lang="en-US" smtClean="0"/>
-              <a:t>4/7/21</a:t>
+              <a:t>4/12/21</a:t>
             </a:fld>
             <a:endParaRPr lang="en-US"/>
           </a:p>
@@ -2441,7 +2441,7 @@
           <a:p>
             <a:fld id="{E2688AD6-A3BD-2D4B-9B4D-77B376F56745}" type="datetimeFigureOut">
               <a:rPr lang="en-US" smtClean="0"/>
-              <a:t>4/7/21</a:t>
+              <a:t>4/12/21</a:t>
             </a:fld>
             <a:endParaRPr lang="en-US"/>
           </a:p>
@@ -2718,7 +2718,7 @@
           <a:p>
             <a:fld id="{E2688AD6-A3BD-2D4B-9B4D-77B376F56745}" type="datetimeFigureOut">
               <a:rPr lang="en-US" smtClean="0"/>
-              <a:t>4/7/21</a:t>
+              <a:t>4/12/21</a:t>
             </a:fld>
             <a:endParaRPr lang="en-US"/>
           </a:p>
@@ -2975,7 +2975,7 @@
           <a:p>
             <a:fld id="{E2688AD6-A3BD-2D4B-9B4D-77B376F56745}" type="datetimeFigureOut">
               <a:rPr lang="en-US" smtClean="0"/>
-              <a:t>4/7/21</a:t>
+              <a:t>4/12/21</a:t>
             </a:fld>
             <a:endParaRPr lang="en-US"/>
           </a:p>
@@ -3188,7 +3188,7 @@
           <a:p>
             <a:fld id="{E2688AD6-A3BD-2D4B-9B4D-77B376F56745}" type="datetimeFigureOut">
               <a:rPr lang="en-US" smtClean="0"/>
-              <a:t>4/7/21</a:t>
+              <a:t>4/12/21</a:t>
             </a:fld>
             <a:endParaRPr lang="en-US"/>
           </a:p>
@@ -3776,7 +3776,7 @@
 </file>
 
 <file path=ppt/slides/slide11.xml><?xml version="1.0" encoding="utf-8"?>
-<p:sld xmlns:a="http://schemas.openxmlformats.org/drawingml/2006/main" xmlns:r="http://schemas.openxmlformats.org/officeDocument/2006/relationships" xmlns:p="http://schemas.openxmlformats.org/presentationml/2006/main">
+<p:sld xmlns:a="http://schemas.openxmlformats.org/drawingml/2006/main" xmlns:r="http://schemas.openxmlformats.org/officeDocument/2006/relationships" xmlns:p="http://schemas.openxmlformats.org/presentationml/2006/main" show="0">
   <p:cSld>
     <p:spTree>
       <p:nvGrpSpPr>
@@ -4103,6 +4103,45 @@
           <a:lstStyle/>
           <a:p>
             <a:r>
+              <a:rPr lang="en-US" i="1" dirty="0">
+                <a:solidFill>
+                  <a:srgbClr val="00B050"/>
+                </a:solidFill>
+              </a:rPr>
+              <a:t>Students were able to use this immediately</a:t>
+            </a:r>
+          </a:p>
+          <a:p>
+            <a:r>
+              <a:rPr lang="en-US" i="1" dirty="0">
+                <a:solidFill>
+                  <a:srgbClr val="00B050"/>
+                </a:solidFill>
+              </a:rPr>
+              <a:t>Significantly better solutions to problem sets</a:t>
+            </a:r>
+          </a:p>
+          <a:p>
+            <a:r>
+              <a:rPr lang="en-US" dirty="0"/>
+              <a:t>Harmony is not an oracle: students still need to specify what assertions/invariants to check</a:t>
+            </a:r>
+          </a:p>
+          <a:p>
+            <a:r>
+              <a:rPr lang="en-US" dirty="0"/>
+              <a:t>Homework assignments can be auto-graded</a:t>
+            </a:r>
+          </a:p>
+          <a:p>
+            <a:pPr lvl="1"/>
+            <a:r>
+              <a:rPr lang="en-US" dirty="0"/>
+              <a:t>Understandable bug reports to students</a:t>
+            </a:r>
+          </a:p>
+          <a:p>
+            <a:r>
               <a:rPr lang="en-US" dirty="0"/>
               <a:t>Integrated with Microsoft Visual Studio Code IDE</a:t>
             </a:r>
@@ -4111,43 +4150,6 @@
             <a:r>
               <a:rPr lang="en-US" dirty="0"/>
               <a:t>A purely online IDE available running in the cloud</a:t>
-            </a:r>
-          </a:p>
-          <a:p>
-            <a:r>
-              <a:rPr lang="en-US" dirty="0"/>
-              <a:t>Students were able to use this immediately</a:t>
-            </a:r>
-          </a:p>
-          <a:p>
-            <a:r>
-              <a:rPr lang="en-US" dirty="0"/>
-              <a:t>Significantly better solutions to problem sets</a:t>
-            </a:r>
-          </a:p>
-          <a:p>
-            <a:r>
-              <a:rPr lang="en-US" dirty="0"/>
-              <a:t>Students still need to write the test programs</a:t>
-            </a:r>
-          </a:p>
-          <a:p>
-            <a:pPr lvl="1"/>
-            <a:r>
-              <a:rPr lang="en-US" dirty="0"/>
-              <a:t>and add assertions and/or invariants</a:t>
-            </a:r>
-          </a:p>
-          <a:p>
-            <a:r>
-              <a:rPr lang="en-US" dirty="0"/>
-              <a:t>Solutions can be auto-graded</a:t>
-            </a:r>
-          </a:p>
-          <a:p>
-            <a:r>
-              <a:rPr lang="en-US" dirty="0"/>
-              <a:t>Understandable bug reports to students</a:t>
             </a:r>
           </a:p>
           <a:p>
@@ -4312,7 +4314,7 @@
                   <a:srgbClr val="FF0000"/>
                 </a:solidFill>
               </a:rPr>
-              <a:t>, most students were unable to solve most concurrency problems correctly</a:t>
+              <a:t>, most students were unable to solve most concurrency homework problems correctly</a:t>
             </a:r>
           </a:p>
           <a:p>
@@ -4329,14 +4331,30 @@
                   <a:srgbClr val="FF0000"/>
                 </a:solidFill>
               </a:rPr>
-              <a:t>Teaching staff spent lots of time checking solutions visually and giving feedback to students</a:t>
+              <a:t>Teaching staff were spending a lot of time checking solutions </a:t>
+            </a:r>
+            <a:r>
+              <a:rPr lang="en-US" i="1" dirty="0">
+                <a:solidFill>
+                  <a:srgbClr val="FF0000"/>
+                </a:solidFill>
+              </a:rPr>
+              <a:t>visually</a:t>
+            </a:r>
+            <a:r>
+              <a:rPr lang="en-US" dirty="0">
+                <a:solidFill>
+                  <a:srgbClr val="FF0000"/>
+                </a:solidFill>
+              </a:rPr>
+              <a:t> and providing detailed feedback</a:t>
             </a:r>
           </a:p>
           <a:p>
             <a:pPr lvl="1"/>
             <a:r>
               <a:rPr lang="en-US" dirty="0"/>
-              <a:t>and also made plenty mistakes</a:t>
+              <a:t>and also made mistakes</a:t>
             </a:r>
           </a:p>
         </p:txBody>
@@ -4447,7 +4465,7 @@
                   <a:srgbClr val="FF0000"/>
                 </a:solidFill>
               </a:rPr>
-              <a:t>, most students were unable to solve most concurrency problems correctly</a:t>
+              <a:t>, most students were unable to solve most concurrency homework problems correctly</a:t>
             </a:r>
           </a:p>
           <a:p>
@@ -4464,14 +4482,30 @@
                   <a:srgbClr val="FF0000"/>
                 </a:solidFill>
               </a:rPr>
-              <a:t>Teaching staff spent lots of time checking solutions visually and giving feedback to students</a:t>
+              <a:t>Teaching staff were spending a lot of time checking solutions </a:t>
+            </a:r>
+            <a:r>
+              <a:rPr lang="en-US" i="1" dirty="0">
+                <a:solidFill>
+                  <a:srgbClr val="FF0000"/>
+                </a:solidFill>
+              </a:rPr>
+              <a:t>visually</a:t>
+            </a:r>
+            <a:r>
+              <a:rPr lang="en-US" dirty="0">
+                <a:solidFill>
+                  <a:srgbClr val="FF0000"/>
+                </a:solidFill>
+              </a:rPr>
+              <a:t> and providing detailed feedback</a:t>
             </a:r>
           </a:p>
           <a:p>
             <a:pPr lvl="1"/>
             <a:r>
               <a:rPr lang="en-US" dirty="0"/>
-              <a:t>and also made plenty mistakes</a:t>
+              <a:t>and also made mistakes</a:t>
             </a:r>
           </a:p>
           <a:p>
@@ -4608,7 +4642,7 @@
                   <a:schemeClr val="accent6"/>
                 </a:solidFill>
               </a:rPr>
-              <a:t>Discovers easy to explain bugs</a:t>
+              <a:t>Gives short “counter-examples”</a:t>
             </a:r>
           </a:p>
           <a:p>
@@ -4794,7 +4828,7 @@
                   <a:schemeClr val="accent6"/>
                 </a:solidFill>
               </a:rPr>
-              <a:t>Discovers easy to explain bugs</a:t>
+              <a:t>Gives short “counter-examples”</a:t>
             </a:r>
           </a:p>
           <a:p>
@@ -5638,7 +5672,7 @@
             <a:pPr lvl="1"/>
             <a:r>
               <a:rPr lang="en-US" dirty="0"/>
-              <a:t>invariant violations, uninitialized variables, divide-by-zero, etc.</a:t>
+              <a:t>Assertion/invariant violations, uninitialized variables, divide-by-zero, etc.</a:t>
             </a:r>
           </a:p>
           <a:p>
@@ -5651,7 +5685,7 @@
             <a:pPr lvl="1"/>
             <a:r>
               <a:rPr lang="en-US" dirty="0"/>
-              <a:t>non-termination</a:t>
+              <a:t>Absence of deadlock</a:t>
             </a:r>
           </a:p>
           <a:p>
@@ -5842,7 +5876,7 @@
           <a:p>
             <a:r>
               <a:rPr lang="en-US" dirty="0"/>
-              <a:t>Features beyond Python</a:t>
+              <a:t>Harmony features beyond Python</a:t>
             </a:r>
           </a:p>
         </p:txBody>
@@ -5871,7 +5905,7 @@
         </p:spPr>
         <p:txBody>
           <a:bodyPr>
-            <a:normAutofit fontScale="77500" lnSpcReduction="20000"/>
+            <a:normAutofit fontScale="92500" lnSpcReduction="20000"/>
           </a:bodyPr>
           <a:lstStyle/>
           <a:p>
@@ -5901,7 +5935,7 @@
             <a:pPr lvl="1"/>
             <a:r>
               <a:rPr lang="en-US" dirty="0"/>
-              <a:t>spinlocks, condition variables (both Mesa and Hoare), semaphores, synchronized queues, barrier synch, etc.</a:t>
+              <a:t>locks, condition variables (both Mesa and Hoare), semaphores, synchronized queues, barrier synch, etc.</a:t>
             </a:r>
             <a:endParaRPr lang="en-US" i="1" dirty="0"/>
           </a:p>
@@ -5929,7 +5963,7 @@
             <a:pPr lvl="1"/>
             <a:r>
               <a:rPr lang="en-US" dirty="0"/>
-              <a:t>build your own atomic primitives</a:t>
+              <a:t>build your own synch primitives</a:t>
             </a:r>
           </a:p>
           <a:p>
@@ -5981,23 +6015,6 @@
             <a:r>
               <a:rPr lang="en-US" dirty="0"/>
               <a:t>predicates checked in every state</a:t>
-            </a:r>
-          </a:p>
-          <a:p>
-            <a:r>
-              <a:rPr lang="en-US" dirty="0">
-                <a:solidFill>
-                  <a:srgbClr val="00B050"/>
-                </a:solidFill>
-              </a:rPr>
-              <a:t>Liveness checking</a:t>
-            </a:r>
-          </a:p>
-          <a:p>
-            <a:pPr lvl="1"/>
-            <a:r>
-              <a:rPr lang="en-US" dirty="0"/>
-              <a:t>without temporal logic formalism</a:t>
             </a:r>
           </a:p>
           <a:p>
@@ -6036,7 +6053,7 @@
         </p:nvSpPr>
         <p:spPr>
           <a:xfrm>
-            <a:off x="5742219" y="2461433"/>
+            <a:off x="5742219" y="2704165"/>
             <a:ext cx="2773131" cy="523220"/>
           </a:xfrm>
           <a:prstGeom prst="rect">
@@ -6075,7 +6092,7 @@
         </p:nvSpPr>
         <p:spPr>
           <a:xfrm>
-            <a:off x="5742219" y="4244785"/>
+            <a:off x="5742219" y="4874479"/>
             <a:ext cx="2875274" cy="523220"/>
           </a:xfrm>
           <a:prstGeom prst="rect">
@@ -6114,7 +6131,7 @@
         </p:nvSpPr>
         <p:spPr>
           <a:xfrm>
-            <a:off x="5742219" y="3610412"/>
+            <a:off x="5742219" y="4127647"/>
             <a:ext cx="1933158" cy="523220"/>
           </a:xfrm>
           <a:prstGeom prst="rect">
@@ -6200,7 +6217,7 @@
         </p:nvSpPr>
         <p:spPr>
           <a:xfrm>
-            <a:off x="5742219" y="3002512"/>
+            <a:off x="5742219" y="3380815"/>
             <a:ext cx="2419124" cy="523220"/>
           </a:xfrm>
           <a:prstGeom prst="rect">
@@ -6239,7 +6256,7 @@
         </p:nvSpPr>
         <p:spPr>
           <a:xfrm>
-            <a:off x="5742219" y="1917371"/>
+            <a:off x="5742219" y="2035099"/>
             <a:ext cx="2626040" cy="523220"/>
           </a:xfrm>
           <a:prstGeom prst="rect">
